--- a/Dokumentacija/Explorerai.pptx
+++ b/Dokumentacija/Explorerai.pptx
@@ -1,30 +1,30 @@
 
 <file path=ppt/presentation.xml><?xml version="1.0" encoding="utf-8"?>
-<p:presentation xmlns:a="http://schemas.openxmlformats.org/drawingml/2006/main" xmlns:r="http://schemas.openxmlformats.org/officeDocument/2006/relationships" xmlns:p="http://schemas.openxmlformats.org/presentationml/2006/main" saveSubsetFonts="1" embedTrueTypeFonts="true">
+<p:presentation xmlns:a="http://schemas.openxmlformats.org/drawingml/2006/main" xmlns:r="http://schemas.openxmlformats.org/officeDocument/2006/relationships" xmlns:p="http://schemas.openxmlformats.org/presentationml/2006/main" embedTrueTypeFonts="1" saveSubsetFonts="1">
   <p:sldMasterIdLst>
     <p:sldMasterId id="2147483648" r:id="rId1"/>
   </p:sldMasterIdLst>
   <p:sldIdLst>
-    <p:sldId id="256" r:id="rId6"/>
-    <p:sldId id="257" r:id="rId7"/>
-    <p:sldId id="258" r:id="rId8"/>
-    <p:sldId id="259" r:id="rId9"/>
-    <p:sldId id="260" r:id="rId10"/>
+    <p:sldId id="256" r:id="rId2"/>
+    <p:sldId id="257" r:id="rId3"/>
+    <p:sldId id="258" r:id="rId4"/>
+    <p:sldId id="259" r:id="rId5"/>
+    <p:sldId id="260" r:id="rId6"/>
   </p:sldIdLst>
   <p:sldSz cx="18288000" cy="10287000"/>
   <p:notesSz cx="6858000" cy="9144000"/>
   <p:embeddedFontLst>
     <p:embeddedFont>
-      <p:font typeface="League Spartan" charset="1" panose="00000800000000000000"/>
-      <p:regular r:id="rId11"/>
+      <p:font typeface="Lato Bold" panose="020B0604020202020204" charset="0"/>
+      <p:regular r:id="rId7"/>
     </p:embeddedFont>
     <p:embeddedFont>
-      <p:font typeface="Poppins" charset="1" panose="00000500000000000000"/>
-      <p:regular r:id="rId12"/>
+      <p:font typeface="League Spartan" panose="020B0604020202020204" charset="0"/>
+      <p:regular r:id="rId8"/>
     </p:embeddedFont>
     <p:embeddedFont>
-      <p:font typeface="Lato Bold" charset="1" panose="020F0502020204030203"/>
-      <p:regular r:id="rId13"/>
+      <p:font typeface="Poppins" panose="00000500000000000000" pitchFamily="2" charset="0"/>
+      <p:regular r:id="rId9"/>
     </p:embeddedFont>
   </p:embeddedFontLst>
   <p:defaultTextStyle>
@@ -122,6 +122,22 @@
       </a:defRPr>
     </a:lvl9pPr>
   </p:defaultTextStyle>
+  <p:extLst>
+    <p:ext uri="{EFAFB233-063F-42B5-8137-9DF3F51BA10A}">
+      <p15:sldGuideLst xmlns:p15="http://schemas.microsoft.com/office/powerpoint/2012/main">
+        <p15:guide id="1" orient="horz" pos="2160">
+          <p15:clr>
+            <a:srgbClr val="A4A3A4"/>
+          </p15:clr>
+        </p15:guide>
+        <p15:guide id="2" pos="2880">
+          <p15:clr>
+            <a:srgbClr val="A4A3A4"/>
+          </p15:clr>
+        </p15:guide>
+      </p15:sldGuideLst>
+    </p:ext>
+  </p:extLst>
 </p:presentation>
 </file>
 
@@ -163,10 +179,9 @@
           <a:lstStyle/>
           <a:p>
             <a:r>
-              <a:rPr lang="en-US" smtClean="0"/>
+              <a:rPr lang="en-US"/>
               <a:t>Click to edit Master title style</a:t>
             </a:r>
-            <a:endParaRPr lang="en-US"/>
           </a:p>
         </p:txBody>
       </p:sp>
@@ -282,10 +297,9 @@
           </a:lstStyle>
           <a:p>
             <a:r>
-              <a:rPr lang="en-US" smtClean="0"/>
+              <a:rPr lang="en-US"/>
               <a:t>Click to edit Master subtitle style</a:t>
             </a:r>
-            <a:endParaRPr lang="en-US"/>
           </a:p>
         </p:txBody>
       </p:sp>
@@ -307,7 +321,7 @@
             <a:fld id="{1D8BD707-D9CF-40AE-B4C6-C98DA3205C09}" type="datetimeFigureOut">
               <a:rPr lang="en-US" smtClean="0"/>
               <a:pPr/>
-              <a:t>8/1/2011</a:t>
+              <a:t>6/28/2024</a:t>
             </a:fld>
             <a:endParaRPr lang="en-US"/>
           </a:p>
@@ -397,10 +411,9 @@
           <a:lstStyle/>
           <a:p>
             <a:r>
-              <a:rPr lang="en-US" smtClean="0"/>
+              <a:rPr lang="en-US"/>
               <a:t>Click to edit Master title style</a:t>
             </a:r>
-            <a:endParaRPr lang="en-US"/>
           </a:p>
         </p:txBody>
       </p:sp>
@@ -421,38 +434,37 @@
           <a:p>
             <a:pPr lvl="0"/>
             <a:r>
-              <a:rPr lang="en-US" smtClean="0"/>
+              <a:rPr lang="en-US"/>
               <a:t>Click to edit Master text styles</a:t>
             </a:r>
           </a:p>
           <a:p>
             <a:pPr lvl="1"/>
             <a:r>
-              <a:rPr lang="en-US" smtClean="0"/>
+              <a:rPr lang="en-US"/>
               <a:t>Second level</a:t>
             </a:r>
           </a:p>
           <a:p>
             <a:pPr lvl="2"/>
             <a:r>
-              <a:rPr lang="en-US" smtClean="0"/>
+              <a:rPr lang="en-US"/>
               <a:t>Third level</a:t>
             </a:r>
           </a:p>
           <a:p>
             <a:pPr lvl="3"/>
             <a:r>
-              <a:rPr lang="en-US" smtClean="0"/>
+              <a:rPr lang="en-US"/>
               <a:t>Fourth level</a:t>
             </a:r>
           </a:p>
           <a:p>
             <a:pPr lvl="4"/>
             <a:r>
-              <a:rPr lang="en-US" smtClean="0"/>
+              <a:rPr lang="en-US"/>
               <a:t>Fifth level</a:t>
             </a:r>
-            <a:endParaRPr lang="en-US"/>
           </a:p>
         </p:txBody>
       </p:sp>
@@ -474,7 +486,7 @@
             <a:fld id="{1D8BD707-D9CF-40AE-B4C6-C98DA3205C09}" type="datetimeFigureOut">
               <a:rPr lang="en-US" smtClean="0"/>
               <a:pPr/>
-              <a:t>8/1/2011</a:t>
+              <a:t>6/28/2024</a:t>
             </a:fld>
             <a:endParaRPr lang="en-US"/>
           </a:p>
@@ -569,10 +581,9 @@
           <a:lstStyle/>
           <a:p>
             <a:r>
-              <a:rPr lang="en-US" smtClean="0"/>
+              <a:rPr lang="en-US"/>
               <a:t>Click to edit Master title style</a:t>
             </a:r>
-            <a:endParaRPr lang="en-US"/>
           </a:p>
         </p:txBody>
       </p:sp>
@@ -598,38 +609,37 @@
           <a:p>
             <a:pPr lvl="0"/>
             <a:r>
-              <a:rPr lang="en-US" smtClean="0"/>
+              <a:rPr lang="en-US"/>
               <a:t>Click to edit Master text styles</a:t>
             </a:r>
           </a:p>
           <a:p>
             <a:pPr lvl="1"/>
             <a:r>
-              <a:rPr lang="en-US" smtClean="0"/>
+              <a:rPr lang="en-US"/>
               <a:t>Second level</a:t>
             </a:r>
           </a:p>
           <a:p>
             <a:pPr lvl="2"/>
             <a:r>
-              <a:rPr lang="en-US" smtClean="0"/>
+              <a:rPr lang="en-US"/>
               <a:t>Third level</a:t>
             </a:r>
           </a:p>
           <a:p>
             <a:pPr lvl="3"/>
             <a:r>
-              <a:rPr lang="en-US" smtClean="0"/>
+              <a:rPr lang="en-US"/>
               <a:t>Fourth level</a:t>
             </a:r>
           </a:p>
           <a:p>
             <a:pPr lvl="4"/>
             <a:r>
-              <a:rPr lang="en-US" smtClean="0"/>
+              <a:rPr lang="en-US"/>
               <a:t>Fifth level</a:t>
             </a:r>
-            <a:endParaRPr lang="en-US"/>
           </a:p>
         </p:txBody>
       </p:sp>
@@ -651,7 +661,7 @@
             <a:fld id="{1D8BD707-D9CF-40AE-B4C6-C98DA3205C09}" type="datetimeFigureOut">
               <a:rPr lang="en-US" smtClean="0"/>
               <a:pPr/>
-              <a:t>8/1/2011</a:t>
+              <a:t>6/28/2024</a:t>
             </a:fld>
             <a:endParaRPr lang="en-US"/>
           </a:p>
@@ -741,10 +751,9 @@
           <a:lstStyle/>
           <a:p>
             <a:r>
-              <a:rPr lang="en-US" smtClean="0"/>
+              <a:rPr lang="en-US"/>
               <a:t>Click to edit Master title style</a:t>
             </a:r>
-            <a:endParaRPr lang="en-US"/>
           </a:p>
         </p:txBody>
       </p:sp>
@@ -765,38 +774,37 @@
           <a:p>
             <a:pPr lvl="0"/>
             <a:r>
-              <a:rPr lang="en-US" smtClean="0"/>
+              <a:rPr lang="en-US"/>
               <a:t>Click to edit Master text styles</a:t>
             </a:r>
           </a:p>
           <a:p>
             <a:pPr lvl="1"/>
             <a:r>
-              <a:rPr lang="en-US" smtClean="0"/>
+              <a:rPr lang="en-US"/>
               <a:t>Second level</a:t>
             </a:r>
           </a:p>
           <a:p>
             <a:pPr lvl="2"/>
             <a:r>
-              <a:rPr lang="en-US" smtClean="0"/>
+              <a:rPr lang="en-US"/>
               <a:t>Third level</a:t>
             </a:r>
           </a:p>
           <a:p>
             <a:pPr lvl="3"/>
             <a:r>
-              <a:rPr lang="en-US" smtClean="0"/>
+              <a:rPr lang="en-US"/>
               <a:t>Fourth level</a:t>
             </a:r>
           </a:p>
           <a:p>
             <a:pPr lvl="4"/>
             <a:r>
-              <a:rPr lang="en-US" smtClean="0"/>
+              <a:rPr lang="en-US"/>
               <a:t>Fifth level</a:t>
             </a:r>
-            <a:endParaRPr lang="en-US"/>
           </a:p>
         </p:txBody>
       </p:sp>
@@ -818,7 +826,7 @@
             <a:fld id="{1D8BD707-D9CF-40AE-B4C6-C98DA3205C09}" type="datetimeFigureOut">
               <a:rPr lang="en-US" smtClean="0"/>
               <a:pPr/>
-              <a:t>8/1/2011</a:t>
+              <a:t>6/28/2024</a:t>
             </a:fld>
             <a:endParaRPr lang="en-US"/>
           </a:p>
@@ -917,10 +925,9 @@
           </a:lstStyle>
           <a:p>
             <a:r>
-              <a:rPr lang="en-US" smtClean="0"/>
+              <a:rPr lang="en-US"/>
               <a:t>Click to edit Master title style</a:t>
             </a:r>
-            <a:endParaRPr lang="en-US"/>
           </a:p>
         </p:txBody>
       </p:sp>
@@ -1037,7 +1044,7 @@
           <a:p>
             <a:pPr lvl="0"/>
             <a:r>
-              <a:rPr lang="en-US" smtClean="0"/>
+              <a:rPr lang="en-US"/>
               <a:t>Click to edit Master text styles</a:t>
             </a:r>
           </a:p>
@@ -1061,7 +1068,7 @@
             <a:fld id="{1D8BD707-D9CF-40AE-B4C6-C98DA3205C09}" type="datetimeFigureOut">
               <a:rPr lang="en-US" smtClean="0"/>
               <a:pPr/>
-              <a:t>8/1/2011</a:t>
+              <a:t>6/28/2024</a:t>
             </a:fld>
             <a:endParaRPr lang="en-US"/>
           </a:p>
@@ -1151,10 +1158,9 @@
           <a:lstStyle/>
           <a:p>
             <a:r>
-              <a:rPr lang="en-US" smtClean="0"/>
+              <a:rPr lang="en-US"/>
               <a:t>Click to edit Master title style</a:t>
             </a:r>
-            <a:endParaRPr lang="en-US"/>
           </a:p>
         </p:txBody>
       </p:sp>
@@ -1208,38 +1214,37 @@
           <a:p>
             <a:pPr lvl="0"/>
             <a:r>
-              <a:rPr lang="en-US" smtClean="0"/>
+              <a:rPr lang="en-US"/>
               <a:t>Click to edit Master text styles</a:t>
             </a:r>
           </a:p>
           <a:p>
             <a:pPr lvl="1"/>
             <a:r>
-              <a:rPr lang="en-US" smtClean="0"/>
+              <a:rPr lang="en-US"/>
               <a:t>Second level</a:t>
             </a:r>
           </a:p>
           <a:p>
             <a:pPr lvl="2"/>
             <a:r>
-              <a:rPr lang="en-US" smtClean="0"/>
+              <a:rPr lang="en-US"/>
               <a:t>Third level</a:t>
             </a:r>
           </a:p>
           <a:p>
             <a:pPr lvl="3"/>
             <a:r>
-              <a:rPr lang="en-US" smtClean="0"/>
+              <a:rPr lang="en-US"/>
               <a:t>Fourth level</a:t>
             </a:r>
           </a:p>
           <a:p>
             <a:pPr lvl="4"/>
             <a:r>
-              <a:rPr lang="en-US" smtClean="0"/>
+              <a:rPr lang="en-US"/>
               <a:t>Fifth level</a:t>
             </a:r>
-            <a:endParaRPr lang="en-US"/>
           </a:p>
         </p:txBody>
       </p:sp>
@@ -1293,38 +1298,37 @@
           <a:p>
             <a:pPr lvl="0"/>
             <a:r>
-              <a:rPr lang="en-US" smtClean="0"/>
+              <a:rPr lang="en-US"/>
               <a:t>Click to edit Master text styles</a:t>
             </a:r>
           </a:p>
           <a:p>
             <a:pPr lvl="1"/>
             <a:r>
-              <a:rPr lang="en-US" smtClean="0"/>
+              <a:rPr lang="en-US"/>
               <a:t>Second level</a:t>
             </a:r>
           </a:p>
           <a:p>
             <a:pPr lvl="2"/>
             <a:r>
-              <a:rPr lang="en-US" smtClean="0"/>
+              <a:rPr lang="en-US"/>
               <a:t>Third level</a:t>
             </a:r>
           </a:p>
           <a:p>
             <a:pPr lvl="3"/>
             <a:r>
-              <a:rPr lang="en-US" smtClean="0"/>
+              <a:rPr lang="en-US"/>
               <a:t>Fourth level</a:t>
             </a:r>
           </a:p>
           <a:p>
             <a:pPr lvl="4"/>
             <a:r>
-              <a:rPr lang="en-US" smtClean="0"/>
+              <a:rPr lang="en-US"/>
               <a:t>Fifth level</a:t>
             </a:r>
-            <a:endParaRPr lang="en-US"/>
           </a:p>
         </p:txBody>
       </p:sp>
@@ -1346,7 +1350,7 @@
             <a:fld id="{1D8BD707-D9CF-40AE-B4C6-C98DA3205C09}" type="datetimeFigureOut">
               <a:rPr lang="en-US" smtClean="0"/>
               <a:pPr/>
-              <a:t>8/1/2011</a:t>
+              <a:t>6/28/2024</a:t>
             </a:fld>
             <a:endParaRPr lang="en-US"/>
           </a:p>
@@ -1440,10 +1444,9 @@
           </a:lstStyle>
           <a:p>
             <a:r>
-              <a:rPr lang="en-US" smtClean="0"/>
+              <a:rPr lang="en-US"/>
               <a:t>Click to edit Master title style</a:t>
             </a:r>
-            <a:endParaRPr lang="en-US"/>
           </a:p>
         </p:txBody>
       </p:sp>
@@ -1506,7 +1509,7 @@
           <a:p>
             <a:pPr lvl="0"/>
             <a:r>
-              <a:rPr lang="en-US" smtClean="0"/>
+              <a:rPr lang="en-US"/>
               <a:t>Click to edit Master text styles</a:t>
             </a:r>
           </a:p>
@@ -1562,38 +1565,37 @@
           <a:p>
             <a:pPr lvl="0"/>
             <a:r>
-              <a:rPr lang="en-US" smtClean="0"/>
+              <a:rPr lang="en-US"/>
               <a:t>Click to edit Master text styles</a:t>
             </a:r>
           </a:p>
           <a:p>
             <a:pPr lvl="1"/>
             <a:r>
-              <a:rPr lang="en-US" smtClean="0"/>
+              <a:rPr lang="en-US"/>
               <a:t>Second level</a:t>
             </a:r>
           </a:p>
           <a:p>
             <a:pPr lvl="2"/>
             <a:r>
-              <a:rPr lang="en-US" smtClean="0"/>
+              <a:rPr lang="en-US"/>
               <a:t>Third level</a:t>
             </a:r>
           </a:p>
           <a:p>
             <a:pPr lvl="3"/>
             <a:r>
-              <a:rPr lang="en-US" smtClean="0"/>
+              <a:rPr lang="en-US"/>
               <a:t>Fourth level</a:t>
             </a:r>
           </a:p>
           <a:p>
             <a:pPr lvl="4"/>
             <a:r>
-              <a:rPr lang="en-US" smtClean="0"/>
+              <a:rPr lang="en-US"/>
               <a:t>Fifth level</a:t>
             </a:r>
-            <a:endParaRPr lang="en-US"/>
           </a:p>
         </p:txBody>
       </p:sp>
@@ -1656,7 +1658,7 @@
           <a:p>
             <a:pPr lvl="0"/>
             <a:r>
-              <a:rPr lang="en-US" smtClean="0"/>
+              <a:rPr lang="en-US"/>
               <a:t>Click to edit Master text styles</a:t>
             </a:r>
           </a:p>
@@ -1712,38 +1714,37 @@
           <a:p>
             <a:pPr lvl="0"/>
             <a:r>
-              <a:rPr lang="en-US" smtClean="0"/>
+              <a:rPr lang="en-US"/>
               <a:t>Click to edit Master text styles</a:t>
             </a:r>
           </a:p>
           <a:p>
             <a:pPr lvl="1"/>
             <a:r>
-              <a:rPr lang="en-US" smtClean="0"/>
+              <a:rPr lang="en-US"/>
               <a:t>Second level</a:t>
             </a:r>
           </a:p>
           <a:p>
             <a:pPr lvl="2"/>
             <a:r>
-              <a:rPr lang="en-US" smtClean="0"/>
+              <a:rPr lang="en-US"/>
               <a:t>Third level</a:t>
             </a:r>
           </a:p>
           <a:p>
             <a:pPr lvl="3"/>
             <a:r>
-              <a:rPr lang="en-US" smtClean="0"/>
+              <a:rPr lang="en-US"/>
               <a:t>Fourth level</a:t>
             </a:r>
           </a:p>
           <a:p>
             <a:pPr lvl="4"/>
             <a:r>
-              <a:rPr lang="en-US" smtClean="0"/>
+              <a:rPr lang="en-US"/>
               <a:t>Fifth level</a:t>
             </a:r>
-            <a:endParaRPr lang="en-US"/>
           </a:p>
         </p:txBody>
       </p:sp>
@@ -1765,7 +1766,7 @@
             <a:fld id="{1D8BD707-D9CF-40AE-B4C6-C98DA3205C09}" type="datetimeFigureOut">
               <a:rPr lang="en-US" smtClean="0"/>
               <a:pPr/>
-              <a:t>8/1/2011</a:t>
+              <a:t>6/28/2024</a:t>
             </a:fld>
             <a:endParaRPr lang="en-US"/>
           </a:p>
@@ -1855,10 +1856,9 @@
           <a:lstStyle/>
           <a:p>
             <a:r>
-              <a:rPr lang="en-US" smtClean="0"/>
+              <a:rPr lang="en-US"/>
               <a:t>Click to edit Master title style</a:t>
             </a:r>
-            <a:endParaRPr lang="en-US"/>
           </a:p>
         </p:txBody>
       </p:sp>
@@ -1880,7 +1880,7 @@
             <a:fld id="{1D8BD707-D9CF-40AE-B4C6-C98DA3205C09}" type="datetimeFigureOut">
               <a:rPr lang="en-US" smtClean="0"/>
               <a:pPr/>
-              <a:t>8/1/2011</a:t>
+              <a:t>6/28/2024</a:t>
             </a:fld>
             <a:endParaRPr lang="en-US"/>
           </a:p>
@@ -1972,7 +1972,7 @@
             <a:fld id="{1D8BD707-D9CF-40AE-B4C6-C98DA3205C09}" type="datetimeFigureOut">
               <a:rPr lang="en-US" smtClean="0"/>
               <a:pPr/>
-              <a:t>8/1/2011</a:t>
+              <a:t>6/28/2024</a:t>
             </a:fld>
             <a:endParaRPr lang="en-US"/>
           </a:p>
@@ -2071,10 +2071,9 @@
           </a:lstStyle>
           <a:p>
             <a:r>
-              <a:rPr lang="en-US" smtClean="0"/>
+              <a:rPr lang="en-US"/>
               <a:t>Click to edit Master title style</a:t>
             </a:r>
-            <a:endParaRPr lang="en-US"/>
           </a:p>
         </p:txBody>
       </p:sp>
@@ -2128,38 +2127,37 @@
           <a:p>
             <a:pPr lvl="0"/>
             <a:r>
-              <a:rPr lang="en-US" smtClean="0"/>
+              <a:rPr lang="en-US"/>
               <a:t>Click to edit Master text styles</a:t>
             </a:r>
           </a:p>
           <a:p>
             <a:pPr lvl="1"/>
             <a:r>
-              <a:rPr lang="en-US" smtClean="0"/>
+              <a:rPr lang="en-US"/>
               <a:t>Second level</a:t>
             </a:r>
           </a:p>
           <a:p>
             <a:pPr lvl="2"/>
             <a:r>
-              <a:rPr lang="en-US" smtClean="0"/>
+              <a:rPr lang="en-US"/>
               <a:t>Third level</a:t>
             </a:r>
           </a:p>
           <a:p>
             <a:pPr lvl="3"/>
             <a:r>
-              <a:rPr lang="en-US" smtClean="0"/>
+              <a:rPr lang="en-US"/>
               <a:t>Fourth level</a:t>
             </a:r>
           </a:p>
           <a:p>
             <a:pPr lvl="4"/>
             <a:r>
-              <a:rPr lang="en-US" smtClean="0"/>
+              <a:rPr lang="en-US"/>
               <a:t>Fifth level</a:t>
             </a:r>
-            <a:endParaRPr lang="en-US"/>
           </a:p>
         </p:txBody>
       </p:sp>
@@ -2222,7 +2220,7 @@
           <a:p>
             <a:pPr lvl="0"/>
             <a:r>
-              <a:rPr lang="en-US" smtClean="0"/>
+              <a:rPr lang="en-US"/>
               <a:t>Click to edit Master text styles</a:t>
             </a:r>
           </a:p>
@@ -2246,7 +2244,7 @@
             <a:fld id="{1D8BD707-D9CF-40AE-B4C6-C98DA3205C09}" type="datetimeFigureOut">
               <a:rPr lang="en-US" smtClean="0"/>
               <a:pPr/>
-              <a:t>8/1/2011</a:t>
+              <a:t>6/28/2024</a:t>
             </a:fld>
             <a:endParaRPr lang="en-US"/>
           </a:p>
@@ -2345,10 +2343,9 @@
           </a:lstStyle>
           <a:p>
             <a:r>
-              <a:rPr lang="en-US" smtClean="0"/>
+              <a:rPr lang="en-US"/>
               <a:t>Click to edit Master title style</a:t>
             </a:r>
-            <a:endParaRPr lang="en-US"/>
           </a:p>
         </p:txBody>
       </p:sp>
@@ -2472,7 +2469,7 @@
           <a:p>
             <a:pPr lvl="0"/>
             <a:r>
-              <a:rPr lang="en-US" smtClean="0"/>
+              <a:rPr lang="en-US"/>
               <a:t>Click to edit Master text styles</a:t>
             </a:r>
           </a:p>
@@ -2496,7 +2493,7 @@
             <a:fld id="{1D8BD707-D9CF-40AE-B4C6-C98DA3205C09}" type="datetimeFigureOut">
               <a:rPr lang="en-US" smtClean="0"/>
               <a:pPr/>
-              <a:t>8/1/2011</a:t>
+              <a:t>6/28/2024</a:t>
             </a:fld>
             <a:endParaRPr lang="en-US"/>
           </a:p>
@@ -2601,10 +2598,9 @@
           <a:lstStyle/>
           <a:p>
             <a:r>
-              <a:rPr lang="en-US" smtClean="0"/>
+              <a:rPr lang="en-US"/>
               <a:t>Click to edit Master title style</a:t>
             </a:r>
-            <a:endParaRPr lang="en-US"/>
           </a:p>
         </p:txBody>
       </p:sp>
@@ -2635,38 +2631,37 @@
           <a:p>
             <a:pPr lvl="0"/>
             <a:r>
-              <a:rPr lang="en-US" smtClean="0"/>
+              <a:rPr lang="en-US"/>
               <a:t>Click to edit Master text styles</a:t>
             </a:r>
           </a:p>
           <a:p>
             <a:pPr lvl="1"/>
             <a:r>
-              <a:rPr lang="en-US" smtClean="0"/>
+              <a:rPr lang="en-US"/>
               <a:t>Second level</a:t>
             </a:r>
           </a:p>
           <a:p>
             <a:pPr lvl="2"/>
             <a:r>
-              <a:rPr lang="en-US" smtClean="0"/>
+              <a:rPr lang="en-US"/>
               <a:t>Third level</a:t>
             </a:r>
           </a:p>
           <a:p>
             <a:pPr lvl="3"/>
             <a:r>
-              <a:rPr lang="en-US" smtClean="0"/>
+              <a:rPr lang="en-US"/>
               <a:t>Fourth level</a:t>
             </a:r>
           </a:p>
           <a:p>
             <a:pPr lvl="4"/>
             <a:r>
-              <a:rPr lang="en-US" smtClean="0"/>
+              <a:rPr lang="en-US"/>
               <a:t>Fifth level</a:t>
             </a:r>
-            <a:endParaRPr lang="en-US"/>
           </a:p>
         </p:txBody>
       </p:sp>
@@ -2706,7 +2701,7 @@
             <a:fld id="{1D8BD707-D9CF-40AE-B4C6-C98DA3205C09}" type="datetimeFigureOut">
               <a:rPr lang="en-US" smtClean="0"/>
               <a:pPr/>
-              <a:t>8/1/2011</a:t>
+              <a:t>6/28/2024</a:t>
             </a:fld>
             <a:endParaRPr lang="en-US"/>
           </a:p>
@@ -3061,7 +3056,7 @@
 </file>
 
 <file path=ppt/slides/slide1.xml><?xml version="1.0" encoding="utf-8"?>
-<p:sld xmlns:p="http://schemas.openxmlformats.org/presentationml/2006/main" xmlns:a="http://schemas.openxmlformats.org/drawingml/2006/main" xmlns:r="http://schemas.openxmlformats.org/officeDocument/2006/relationships">
+<p:sld xmlns:a="http://schemas.openxmlformats.org/drawingml/2006/main" xmlns:r="http://schemas.openxmlformats.org/officeDocument/2006/relationships" xmlns:p="http://schemas.openxmlformats.org/presentationml/2006/main">
   <p:cSld>
     <p:spTree>
       <p:nvGrpSpPr>
@@ -3079,12 +3074,12 @@
       </p:grpSpPr>
       <p:grpSp>
         <p:nvGrpSpPr>
-          <p:cNvPr name="Group 2" id="2"/>
+          <p:cNvPr id="2" name="Group 2"/>
           <p:cNvGrpSpPr/>
           <p:nvPr/>
         </p:nvGrpSpPr>
         <p:grpSpPr>
-          <a:xfrm rot="0">
+          <a:xfrm>
             <a:off x="-760349" y="4109967"/>
             <a:ext cx="3086100" cy="2171499"/>
             <a:chOff x="0" y="0"/>
@@ -3093,12 +3088,12 @@
         </p:grpSpPr>
         <p:sp>
           <p:nvSpPr>
-            <p:cNvPr name="Freeform 3" id="3"/>
+            <p:cNvPr id="3" name="Freeform 3"/>
             <p:cNvSpPr/>
             <p:nvPr/>
           </p:nvSpPr>
           <p:spPr>
-            <a:xfrm flipH="false" flipV="false" rot="0">
+            <a:xfrm>
               <a:off x="0" y="0"/>
               <a:ext cx="812800" cy="571917"/>
             </a:xfrm>
@@ -3107,9 +3102,9 @@
               <a:gdLst/>
               <a:ahLst/>
               <a:cxnLst/>
-              <a:rect r="r" b="b" t="t" l="l"/>
+              <a:rect l="l" t="t" r="r" b="b"/>
               <a:pathLst>
-                <a:path h="571917" w="812800">
+                <a:path w="812800" h="571917">
                   <a:moveTo>
                     <a:pt x="609600" y="0"/>
                   </a:moveTo>
@@ -3144,11 +3139,18 @@
               <a:srgbClr val="004AAD"/>
             </a:solidFill>
           </p:spPr>
+          <p:txBody>
+            <a:bodyPr/>
+            <a:lstStyle/>
+            <a:p>
+              <a:endParaRPr lang="en-SI"/>
+            </a:p>
+          </p:txBody>
         </p:sp>
         <p:sp>
           <p:nvSpPr>
-            <p:cNvPr name="TextBox 4" id="4"/>
-            <p:cNvSpPr txBox="true"/>
+            <p:cNvPr id="4" name="TextBox 4"/>
+            <p:cNvSpPr txBox="1"/>
             <p:nvPr/>
           </p:nvSpPr>
           <p:spPr>
@@ -3161,7 +3163,7 @@
             </a:prstGeom>
           </p:spPr>
           <p:txBody>
-            <a:bodyPr anchor="ctr" rtlCol="false" tIns="50800" lIns="50800" bIns="50800" rIns="50800"/>
+            <a:bodyPr lIns="50800" tIns="50800" rIns="50800" bIns="50800" rtlCol="0" anchor="ctr"/>
             <a:lstStyle/>
             <a:p>
               <a:pPr algn="ctr">
@@ -3169,18 +3171,19 @@
                   <a:spcPts val="2659"/>
                 </a:lnSpc>
               </a:pPr>
+              <a:endParaRPr/>
             </a:p>
           </p:txBody>
         </p:sp>
       </p:grpSp>
       <p:grpSp>
         <p:nvGrpSpPr>
-          <p:cNvPr name="Group 5" id="5"/>
+          <p:cNvPr id="5" name="Group 5"/>
           <p:cNvGrpSpPr/>
           <p:nvPr/>
         </p:nvGrpSpPr>
         <p:grpSpPr>
-          <a:xfrm rot="0">
+          <a:xfrm>
             <a:off x="15962156" y="4094736"/>
             <a:ext cx="3086100" cy="2171499"/>
             <a:chOff x="0" y="0"/>
@@ -3189,12 +3192,12 @@
         </p:grpSpPr>
         <p:sp>
           <p:nvSpPr>
-            <p:cNvPr name="Freeform 6" id="6"/>
+            <p:cNvPr id="6" name="Freeform 6"/>
             <p:cNvSpPr/>
             <p:nvPr/>
           </p:nvSpPr>
           <p:spPr>
-            <a:xfrm flipH="false" flipV="false" rot="0">
+            <a:xfrm>
               <a:off x="0" y="0"/>
               <a:ext cx="812800" cy="571917"/>
             </a:xfrm>
@@ -3203,9 +3206,9 @@
               <a:gdLst/>
               <a:ahLst/>
               <a:cxnLst/>
-              <a:rect r="r" b="b" t="t" l="l"/>
+              <a:rect l="l" t="t" r="r" b="b"/>
               <a:pathLst>
-                <a:path h="571917" w="812800">
+                <a:path w="812800" h="571917">
                   <a:moveTo>
                     <a:pt x="609600" y="0"/>
                   </a:moveTo>
@@ -3240,11 +3243,18 @@
               <a:srgbClr val="004AAD"/>
             </a:solidFill>
           </p:spPr>
+          <p:txBody>
+            <a:bodyPr/>
+            <a:lstStyle/>
+            <a:p>
+              <a:endParaRPr lang="en-SI"/>
+            </a:p>
+          </p:txBody>
         </p:sp>
         <p:sp>
           <p:nvSpPr>
-            <p:cNvPr name="TextBox 7" id="7"/>
-            <p:cNvSpPr txBox="true"/>
+            <p:cNvPr id="7" name="TextBox 7"/>
+            <p:cNvSpPr txBox="1"/>
             <p:nvPr/>
           </p:nvSpPr>
           <p:spPr>
@@ -3257,7 +3267,7 @@
             </a:prstGeom>
           </p:spPr>
           <p:txBody>
-            <a:bodyPr anchor="ctr" rtlCol="false" tIns="50800" lIns="50800" bIns="50800" rIns="50800"/>
+            <a:bodyPr lIns="50800" tIns="50800" rIns="50800" bIns="50800" rtlCol="0" anchor="ctr"/>
             <a:lstStyle/>
             <a:p>
               <a:pPr algn="ctr">
@@ -3265,18 +3275,19 @@
                   <a:spcPts val="2659"/>
                 </a:lnSpc>
               </a:pPr>
+              <a:endParaRPr/>
             </a:p>
           </p:txBody>
         </p:sp>
       </p:grpSp>
       <p:sp>
         <p:nvSpPr>
-          <p:cNvPr name="Freeform 8" id="8"/>
+          <p:cNvPr id="8" name="Freeform 8"/>
           <p:cNvSpPr/>
           <p:nvPr/>
         </p:nvSpPr>
         <p:spPr>
-          <a:xfrm flipH="false" flipV="false" rot="0">
+          <a:xfrm>
             <a:off x="7951846" y="670633"/>
             <a:ext cx="2384309" cy="2574152"/>
           </a:xfrm>
@@ -3285,9 +3296,9 @@
             <a:gdLst/>
             <a:ahLst/>
             <a:cxnLst/>
-            <a:rect r="r" b="b" t="t" l="l"/>
+            <a:rect l="l" t="t" r="r" b="b"/>
             <a:pathLst>
-              <a:path h="2574152" w="2384309">
+              <a:path w="2384309" h="2574152">
                 <a:moveTo>
                   <a:pt x="0" y="0"/>
                 </a:moveTo>
@@ -3310,19 +3321,26 @@
           <a:blipFill>
             <a:blip r:embed="rId2"/>
             <a:stretch>
-              <a:fillRect l="0" t="0" r="-3829" b="-31383"/>
+              <a:fillRect r="-3829" b="-31383"/>
             </a:stretch>
           </a:blipFill>
         </p:spPr>
-      </p:sp>
-      <p:sp>
-        <p:nvSpPr>
-          <p:cNvPr name="TextBox 9" id="9"/>
-          <p:cNvSpPr txBox="true"/>
+        <p:txBody>
+          <a:bodyPr/>
+          <a:lstStyle/>
+          <a:p>
+            <a:endParaRPr lang="en-SI"/>
+          </a:p>
+        </p:txBody>
+      </p:sp>
+      <p:sp>
+        <p:nvSpPr>
+          <p:cNvPr id="9" name="TextBox 9"/>
+          <p:cNvSpPr txBox="1"/>
           <p:nvPr/>
         </p:nvSpPr>
         <p:spPr>
-          <a:xfrm rot="0">
+          <a:xfrm>
             <a:off x="4630801" y="4390112"/>
             <a:ext cx="9846085" cy="1418823"/>
           </a:xfrm>
@@ -3331,7 +3349,7 @@
           </a:prstGeom>
         </p:spPr>
         <p:txBody>
-          <a:bodyPr anchor="t" rtlCol="false" tIns="0" lIns="0" bIns="0" rIns="0">
+          <a:bodyPr lIns="0" tIns="0" rIns="0" bIns="0" rtlCol="0" anchor="t">
             <a:spAutoFit/>
           </a:bodyPr>
           <a:lstStyle/>
@@ -3355,12 +3373,12 @@
       </p:sp>
       <p:sp>
         <p:nvSpPr>
-          <p:cNvPr name="TextBox 10" id="10"/>
-          <p:cNvSpPr txBox="true"/>
+          <p:cNvPr id="10" name="TextBox 10"/>
+          <p:cNvSpPr txBox="1"/>
           <p:nvPr/>
         </p:nvSpPr>
         <p:spPr>
-          <a:xfrm rot="0">
+          <a:xfrm>
             <a:off x="4880587" y="6416349"/>
             <a:ext cx="8526827" cy="1963180"/>
           </a:xfrm>
@@ -3369,7 +3387,7 @@
           </a:prstGeom>
         </p:spPr>
         <p:txBody>
-          <a:bodyPr anchor="t" rtlCol="false" tIns="0" lIns="0" bIns="0" rIns="0">
+          <a:bodyPr lIns="0" tIns="0" rIns="0" bIns="0" rtlCol="0" anchor="t">
             <a:spAutoFit/>
           </a:bodyPr>
           <a:lstStyle/>
@@ -3446,17 +3464,23 @@
                 <a:spcPct val="0"/>
               </a:spcBef>
             </a:pPr>
-          </a:p>
-        </p:txBody>
-      </p:sp>
-      <p:sp>
-        <p:nvSpPr>
-          <p:cNvPr name="TextBox 11" id="11"/>
-          <p:cNvSpPr txBox="true"/>
+            <a:endParaRPr lang="en-US" sz="2219">
+              <a:solidFill>
+                <a:srgbClr val="303642"/>
+              </a:solidFill>
+              <a:latin typeface="Poppins"/>
+            </a:endParaRPr>
+          </a:p>
+        </p:txBody>
+      </p:sp>
+      <p:sp>
+        <p:nvSpPr>
+          <p:cNvPr id="11" name="TextBox 11"/>
+          <p:cNvSpPr txBox="1"/>
           <p:nvPr/>
         </p:nvSpPr>
         <p:spPr>
-          <a:xfrm rot="0">
+          <a:xfrm>
             <a:off x="4880587" y="8529959"/>
             <a:ext cx="8526827" cy="1182025"/>
           </a:xfrm>
@@ -3465,7 +3489,7 @@
           </a:prstGeom>
         </p:spPr>
         <p:txBody>
-          <a:bodyPr anchor="t" rtlCol="false" tIns="0" lIns="0" bIns="0" rIns="0">
+          <a:bodyPr lIns="0" tIns="0" rIns="0" bIns="0" rtlCol="0" anchor="t">
             <a:spAutoFit/>
           </a:bodyPr>
           <a:lstStyle/>
@@ -3510,17 +3534,23 @@
                 <a:spcPct val="0"/>
               </a:spcBef>
             </a:pPr>
-          </a:p>
-        </p:txBody>
-      </p:sp>
-      <p:sp>
-        <p:nvSpPr>
-          <p:cNvPr name="TextBox 12" id="12"/>
-          <p:cNvSpPr txBox="true"/>
+            <a:endParaRPr lang="en-US" sz="2219">
+              <a:solidFill>
+                <a:srgbClr val="303642"/>
+              </a:solidFill>
+              <a:latin typeface="Poppins"/>
+            </a:endParaRPr>
+          </a:p>
+        </p:txBody>
+      </p:sp>
+      <p:sp>
+        <p:nvSpPr>
+          <p:cNvPr id="12" name="TextBox 12"/>
+          <p:cNvSpPr txBox="1"/>
           <p:nvPr/>
         </p:nvSpPr>
         <p:spPr>
-          <a:xfrm rot="0">
+          <a:xfrm>
             <a:off x="8136305" y="5751785"/>
             <a:ext cx="2015390" cy="514134"/>
           </a:xfrm>
@@ -3529,7 +3559,7 @@
           </a:prstGeom>
         </p:spPr>
         <p:txBody>
-          <a:bodyPr anchor="t" rtlCol="false" tIns="0" lIns="0" bIns="0" rIns="0">
+          <a:bodyPr lIns="0" tIns="0" rIns="0" bIns="0" rtlCol="0" anchor="t">
             <a:spAutoFit/>
           </a:bodyPr>
           <a:lstStyle/>
@@ -3560,7 +3590,7 @@
 </file>
 
 <file path=ppt/slides/slide2.xml><?xml version="1.0" encoding="utf-8"?>
-<p:sld xmlns:p="http://schemas.openxmlformats.org/presentationml/2006/main" xmlns:a="http://schemas.openxmlformats.org/drawingml/2006/main" xmlns:r="http://schemas.openxmlformats.org/officeDocument/2006/relationships">
+<p:sld xmlns:a="http://schemas.openxmlformats.org/drawingml/2006/main" xmlns:r="http://schemas.openxmlformats.org/officeDocument/2006/relationships" xmlns:p="http://schemas.openxmlformats.org/presentationml/2006/main">
   <p:cSld>
     <p:spTree>
       <p:nvGrpSpPr>
@@ -3578,12 +3608,12 @@
       </p:grpSpPr>
       <p:grpSp>
         <p:nvGrpSpPr>
-          <p:cNvPr name="Group 2" id="2"/>
+          <p:cNvPr id="2" name="Group 2"/>
           <p:cNvGrpSpPr/>
           <p:nvPr/>
         </p:nvGrpSpPr>
         <p:grpSpPr>
-          <a:xfrm rot="0">
+          <a:xfrm>
             <a:off x="1028700" y="8997950"/>
             <a:ext cx="2514600" cy="260350"/>
             <a:chOff x="0" y="0"/>
@@ -3592,12 +3622,12 @@
         </p:grpSpPr>
         <p:sp>
           <p:nvSpPr>
-            <p:cNvPr name="Freeform 3" id="3"/>
+            <p:cNvPr id="3" name="Freeform 3"/>
             <p:cNvSpPr/>
             <p:nvPr/>
           </p:nvSpPr>
           <p:spPr>
-            <a:xfrm flipH="false" flipV="false" rot="0">
+            <a:xfrm>
               <a:off x="0" y="0"/>
               <a:ext cx="662281" cy="68570"/>
             </a:xfrm>
@@ -3606,9 +3636,9 @@
               <a:gdLst/>
               <a:ahLst/>
               <a:cxnLst/>
-              <a:rect r="r" b="b" t="t" l="l"/>
+              <a:rect l="l" t="t" r="r" b="b"/>
               <a:pathLst>
-                <a:path h="68570" w="662281">
+                <a:path w="662281" h="68570">
                   <a:moveTo>
                     <a:pt x="0" y="0"/>
                   </a:moveTo>
@@ -3629,11 +3659,18 @@
               <a:srgbClr val="004AAD"/>
             </a:solidFill>
           </p:spPr>
+          <p:txBody>
+            <a:bodyPr/>
+            <a:lstStyle/>
+            <a:p>
+              <a:endParaRPr lang="en-SI"/>
+            </a:p>
+          </p:txBody>
         </p:sp>
         <p:sp>
           <p:nvSpPr>
-            <p:cNvPr name="TextBox 4" id="4"/>
-            <p:cNvSpPr txBox="true"/>
+            <p:cNvPr id="4" name="TextBox 4"/>
+            <p:cNvSpPr txBox="1"/>
             <p:nvPr/>
           </p:nvSpPr>
           <p:spPr>
@@ -3646,7 +3683,7 @@
             </a:prstGeom>
           </p:spPr>
           <p:txBody>
-            <a:bodyPr anchor="ctr" rtlCol="false" tIns="50800" lIns="50800" bIns="50800" rIns="50800"/>
+            <a:bodyPr lIns="50800" tIns="50800" rIns="50800" bIns="50800" rtlCol="0" anchor="ctr"/>
             <a:lstStyle/>
             <a:p>
               <a:pPr algn="ctr">
@@ -3654,20 +3691,21 @@
                   <a:spcPts val="2659"/>
                 </a:lnSpc>
               </a:pPr>
+              <a:endParaRPr/>
             </a:p>
           </p:txBody>
         </p:sp>
       </p:grpSp>
       <p:grpSp>
         <p:nvGrpSpPr>
-          <p:cNvPr name="Group 5" id="5"/>
+          <p:cNvPr id="5" name="Group 5"/>
           <p:cNvGrpSpPr>
-            <a:grpSpLocks noChangeAspect="true"/>
+            <a:grpSpLocks noChangeAspect="1"/>
           </p:cNvGrpSpPr>
           <p:nvPr/>
         </p:nvGrpSpPr>
         <p:grpSpPr>
-          <a:xfrm rot="0">
+          <a:xfrm>
             <a:off x="7416165" y="429700"/>
             <a:ext cx="5246370" cy="5246370"/>
             <a:chOff x="0" y="0"/>
@@ -3676,12 +3714,12 @@
         </p:grpSpPr>
         <p:sp>
           <p:nvSpPr>
-            <p:cNvPr name="Freeform 6" id="6"/>
+            <p:cNvPr id="6" name="Freeform 6"/>
             <p:cNvSpPr/>
             <p:nvPr/>
           </p:nvSpPr>
           <p:spPr>
-            <a:xfrm flipH="false" flipV="false" rot="0">
+            <a:xfrm>
               <a:off x="0" y="0"/>
               <a:ext cx="6350000" cy="6350000"/>
             </a:xfrm>
@@ -3690,9 +3728,9 @@
               <a:gdLst/>
               <a:ahLst/>
               <a:cxnLst/>
-              <a:rect r="r" b="b" t="t" l="l"/>
+              <a:rect l="l" t="t" r="r" b="b"/>
               <a:pathLst>
-                <a:path h="6350000" w="6350000">
+                <a:path w="6350000" h="6350000">
                   <a:moveTo>
                     <a:pt x="0" y="3175000"/>
                   </a:moveTo>
@@ -3725,15 +3763,22 @@
               <a:srgbClr val="004AAD"/>
             </a:solidFill>
           </p:spPr>
+          <p:txBody>
+            <a:bodyPr/>
+            <a:lstStyle/>
+            <a:p>
+              <a:endParaRPr lang="en-SI"/>
+            </a:p>
+          </p:txBody>
         </p:sp>
         <p:sp>
           <p:nvSpPr>
-            <p:cNvPr name="Freeform 7" id="7"/>
+            <p:cNvPr id="7" name="Freeform 7"/>
             <p:cNvSpPr/>
             <p:nvPr/>
           </p:nvSpPr>
           <p:spPr>
-            <a:xfrm flipH="false" flipV="false" rot="0">
+            <a:xfrm>
               <a:off x="391160" y="364490"/>
               <a:ext cx="5619750" cy="5621020"/>
             </a:xfrm>
@@ -3742,9 +3787,9 @@
               <a:gdLst/>
               <a:ahLst/>
               <a:cxnLst/>
-              <a:rect r="r" b="b" t="t" l="l"/>
+              <a:rect l="l" t="t" r="r" b="b"/>
               <a:pathLst>
-                <a:path h="5621020" w="5619750">
+                <a:path w="5619750" h="5621020">
                   <a:moveTo>
                     <a:pt x="2810510" y="0"/>
                   </a:moveTo>
@@ -3775,22 +3820,29 @@
             <a:blipFill>
               <a:blip r:embed="rId2"/>
               <a:stretch>
-                <a:fillRect l="0" t="-36731" r="0" b="-36731"/>
+                <a:fillRect t="-36731" b="-36731"/>
               </a:stretch>
             </a:blipFill>
           </p:spPr>
+          <p:txBody>
+            <a:bodyPr/>
+            <a:lstStyle/>
+            <a:p>
+              <a:endParaRPr lang="en-SI"/>
+            </a:p>
+          </p:txBody>
         </p:sp>
       </p:grpSp>
       <p:grpSp>
         <p:nvGrpSpPr>
-          <p:cNvPr name="Group 8" id="8"/>
+          <p:cNvPr id="8" name="Group 8"/>
           <p:cNvGrpSpPr>
-            <a:grpSpLocks noChangeAspect="true"/>
+            <a:grpSpLocks noChangeAspect="1"/>
           </p:cNvGrpSpPr>
           <p:nvPr/>
         </p:nvGrpSpPr>
         <p:grpSpPr>
-          <a:xfrm rot="0">
+          <a:xfrm>
             <a:off x="12776835" y="4610930"/>
             <a:ext cx="5246370" cy="5246370"/>
             <a:chOff x="0" y="0"/>
@@ -3799,12 +3851,12 @@
         </p:grpSpPr>
         <p:sp>
           <p:nvSpPr>
-            <p:cNvPr name="Freeform 9" id="9"/>
+            <p:cNvPr id="9" name="Freeform 9"/>
             <p:cNvSpPr/>
             <p:nvPr/>
           </p:nvSpPr>
           <p:spPr>
-            <a:xfrm flipH="false" flipV="false" rot="0">
+            <a:xfrm>
               <a:off x="0" y="0"/>
               <a:ext cx="6350000" cy="6350000"/>
             </a:xfrm>
@@ -3813,9 +3865,9 @@
               <a:gdLst/>
               <a:ahLst/>
               <a:cxnLst/>
-              <a:rect r="r" b="b" t="t" l="l"/>
+              <a:rect l="l" t="t" r="r" b="b"/>
               <a:pathLst>
-                <a:path h="6350000" w="6350000">
+                <a:path w="6350000" h="6350000">
                   <a:moveTo>
                     <a:pt x="6350000" y="3175000"/>
                   </a:moveTo>
@@ -3848,15 +3900,22 @@
               <a:srgbClr val="000000"/>
             </a:solidFill>
           </p:spPr>
+          <p:txBody>
+            <a:bodyPr/>
+            <a:lstStyle/>
+            <a:p>
+              <a:endParaRPr lang="en-SI"/>
+            </a:p>
+          </p:txBody>
         </p:sp>
         <p:sp>
           <p:nvSpPr>
-            <p:cNvPr name="Freeform 10" id="10"/>
+            <p:cNvPr id="10" name="Freeform 10"/>
             <p:cNvSpPr/>
             <p:nvPr/>
           </p:nvSpPr>
           <p:spPr>
-            <a:xfrm flipH="false" flipV="false" rot="0">
+            <a:xfrm>
               <a:off x="199010" y="359986"/>
               <a:ext cx="5898640" cy="5630028"/>
             </a:xfrm>
@@ -3865,9 +3924,9 @@
               <a:gdLst/>
               <a:ahLst/>
               <a:cxnLst/>
-              <a:rect r="r" b="b" t="t" l="l"/>
+              <a:rect l="l" t="t" r="r" b="b"/>
               <a:pathLst>
-                <a:path h="5630028" w="5898640">
+                <a:path w="5898640" h="5630028">
                   <a:moveTo>
                     <a:pt x="2949320" y="4504"/>
                   </a:moveTo>
@@ -3912,16 +3971,23 @@
               </a:stretch>
             </a:blipFill>
           </p:spPr>
+          <p:txBody>
+            <a:bodyPr/>
+            <a:lstStyle/>
+            <a:p>
+              <a:endParaRPr lang="en-SI"/>
+            </a:p>
+          </p:txBody>
         </p:sp>
       </p:grpSp>
       <p:grpSp>
         <p:nvGrpSpPr>
-          <p:cNvPr name="Group 11" id="11"/>
+          <p:cNvPr id="11" name="Group 11"/>
           <p:cNvGrpSpPr/>
           <p:nvPr/>
         </p:nvGrpSpPr>
         <p:grpSpPr>
-          <a:xfrm rot="0">
+          <a:xfrm>
             <a:off x="7759377" y="772912"/>
             <a:ext cx="4559945" cy="4559945"/>
             <a:chOff x="0" y="0"/>
@@ -3930,12 +3996,12 @@
         </p:grpSpPr>
         <p:sp>
           <p:nvSpPr>
-            <p:cNvPr name="Freeform 12" id="12"/>
+            <p:cNvPr id="12" name="Freeform 12"/>
             <p:cNvSpPr/>
             <p:nvPr/>
           </p:nvSpPr>
           <p:spPr>
-            <a:xfrm flipH="false" flipV="false" rot="0">
+            <a:xfrm>
               <a:off x="0" y="0"/>
               <a:ext cx="812800" cy="812800"/>
             </a:xfrm>
@@ -3944,9 +4010,9 @@
               <a:gdLst/>
               <a:ahLst/>
               <a:cxnLst/>
-              <a:rect r="r" b="b" t="t" l="l"/>
+              <a:rect l="l" t="t" r="r" b="b"/>
               <a:pathLst>
-                <a:path h="812800" w="812800">
+                <a:path w="812800" h="812800">
                   <a:moveTo>
                     <a:pt x="406400" y="0"/>
                   </a:moveTo>
@@ -3978,11 +4044,18 @@
               <a:srgbClr val="FFFFFF"/>
             </a:solidFill>
           </p:spPr>
+          <p:txBody>
+            <a:bodyPr/>
+            <a:lstStyle/>
+            <a:p>
+              <a:endParaRPr lang="en-SI"/>
+            </a:p>
+          </p:txBody>
         </p:sp>
         <p:sp>
           <p:nvSpPr>
-            <p:cNvPr name="TextBox 13" id="13"/>
-            <p:cNvSpPr txBox="true"/>
+            <p:cNvPr id="13" name="TextBox 13"/>
+            <p:cNvSpPr txBox="1"/>
             <p:nvPr/>
           </p:nvSpPr>
           <p:spPr>
@@ -3995,7 +4068,7 @@
             </a:prstGeom>
           </p:spPr>
           <p:txBody>
-            <a:bodyPr anchor="ctr" rtlCol="false" tIns="50800" lIns="50800" bIns="50800" rIns="50800"/>
+            <a:bodyPr lIns="50800" tIns="50800" rIns="50800" bIns="50800" rtlCol="0" anchor="ctr"/>
             <a:lstStyle/>
             <a:p>
               <a:pPr algn="ctr">
@@ -4003,18 +4076,19 @@
                   <a:spcPts val="2659"/>
                 </a:lnSpc>
               </a:pPr>
+              <a:endParaRPr/>
             </a:p>
           </p:txBody>
         </p:sp>
       </p:grpSp>
       <p:sp>
         <p:nvSpPr>
-          <p:cNvPr name="Freeform 14" id="14"/>
+          <p:cNvPr id="14" name="Freeform 14"/>
           <p:cNvSpPr/>
           <p:nvPr/>
         </p:nvSpPr>
         <p:spPr>
-          <a:xfrm flipH="false" flipV="false" rot="0">
+          <a:xfrm>
             <a:off x="9224465" y="1686462"/>
             <a:ext cx="1629769" cy="2732845"/>
           </a:xfrm>
@@ -4023,9 +4097,9 @@
             <a:gdLst/>
             <a:ahLst/>
             <a:cxnLst/>
-            <a:rect r="r" b="b" t="t" l="l"/>
+            <a:rect l="l" t="t" r="r" b="b"/>
             <a:pathLst>
-              <a:path h="2732845" w="1629769">
+              <a:path w="1629769" h="2732845">
                 <a:moveTo>
                   <a:pt x="0" y="0"/>
                 </a:moveTo>
@@ -4054,19 +4128,26 @@
               </a:extLst>
             </a:blip>
             <a:stretch>
-              <a:fillRect l="0" t="0" r="0" b="0"/>
+              <a:fillRect/>
             </a:stretch>
           </a:blipFill>
         </p:spPr>
+        <p:txBody>
+          <a:bodyPr/>
+          <a:lstStyle/>
+          <a:p>
+            <a:endParaRPr lang="en-SI"/>
+          </a:p>
+        </p:txBody>
       </p:sp>
       <p:grpSp>
         <p:nvGrpSpPr>
-          <p:cNvPr name="Group 15" id="15"/>
+          <p:cNvPr id="15" name="Group 15"/>
           <p:cNvGrpSpPr/>
           <p:nvPr/>
         </p:nvGrpSpPr>
         <p:grpSpPr>
-          <a:xfrm rot="0">
+          <a:xfrm>
             <a:off x="13120047" y="4954143"/>
             <a:ext cx="4559945" cy="4559945"/>
             <a:chOff x="0" y="0"/>
@@ -4075,12 +4156,12 @@
         </p:grpSpPr>
         <p:sp>
           <p:nvSpPr>
-            <p:cNvPr name="Freeform 16" id="16"/>
+            <p:cNvPr id="16" name="Freeform 16"/>
             <p:cNvSpPr/>
             <p:nvPr/>
           </p:nvSpPr>
           <p:spPr>
-            <a:xfrm flipH="false" flipV="false" rot="0">
+            <a:xfrm>
               <a:off x="0" y="0"/>
               <a:ext cx="812800" cy="812800"/>
             </a:xfrm>
@@ -4089,9 +4170,9 @@
               <a:gdLst/>
               <a:ahLst/>
               <a:cxnLst/>
-              <a:rect r="r" b="b" t="t" l="l"/>
+              <a:rect l="l" t="t" r="r" b="b"/>
               <a:pathLst>
-                <a:path h="812800" w="812800">
+                <a:path w="812800" h="812800">
                   <a:moveTo>
                     <a:pt x="406400" y="0"/>
                   </a:moveTo>
@@ -4123,11 +4204,18 @@
               <a:srgbClr val="FFFFFF"/>
             </a:solidFill>
           </p:spPr>
+          <p:txBody>
+            <a:bodyPr/>
+            <a:lstStyle/>
+            <a:p>
+              <a:endParaRPr lang="en-SI"/>
+            </a:p>
+          </p:txBody>
         </p:sp>
         <p:sp>
           <p:nvSpPr>
-            <p:cNvPr name="TextBox 17" id="17"/>
-            <p:cNvSpPr txBox="true"/>
+            <p:cNvPr id="17" name="TextBox 17"/>
+            <p:cNvSpPr txBox="1"/>
             <p:nvPr/>
           </p:nvSpPr>
           <p:spPr>
@@ -4140,7 +4228,7 @@
             </a:prstGeom>
           </p:spPr>
           <p:txBody>
-            <a:bodyPr anchor="ctr" rtlCol="false" tIns="50800" lIns="50800" bIns="50800" rIns="50800"/>
+            <a:bodyPr lIns="50800" tIns="50800" rIns="50800" bIns="50800" rtlCol="0" anchor="ctr"/>
             <a:lstStyle/>
             <a:p>
               <a:pPr algn="ctr">
@@ -4148,18 +4236,19 @@
                   <a:spcPts val="2659"/>
                 </a:lnSpc>
               </a:pPr>
+              <a:endParaRPr/>
             </a:p>
           </p:txBody>
         </p:sp>
       </p:grpSp>
       <p:sp>
         <p:nvSpPr>
-          <p:cNvPr name="Freeform 18" id="18"/>
+          <p:cNvPr id="18" name="Freeform 18"/>
           <p:cNvSpPr/>
           <p:nvPr/>
         </p:nvSpPr>
         <p:spPr>
-          <a:xfrm flipH="false" flipV="false" rot="0">
+          <a:xfrm>
             <a:off x="14146395" y="5980490"/>
             <a:ext cx="2507250" cy="2507250"/>
           </a:xfrm>
@@ -4168,9 +4257,9 @@
             <a:gdLst/>
             <a:ahLst/>
             <a:cxnLst/>
-            <a:rect r="r" b="b" t="t" l="l"/>
+            <a:rect l="l" t="t" r="r" b="b"/>
             <a:pathLst>
-              <a:path h="2507250" w="2507250">
+              <a:path w="2507250" h="2507250">
                 <a:moveTo>
                   <a:pt x="0" y="0"/>
                 </a:moveTo>
@@ -4199,19 +4288,26 @@
               </a:extLst>
             </a:blip>
             <a:stretch>
-              <a:fillRect l="0" t="0" r="0" b="0"/>
+              <a:fillRect/>
             </a:stretch>
           </a:blipFill>
         </p:spPr>
-      </p:sp>
-      <p:sp>
-        <p:nvSpPr>
-          <p:cNvPr name="TextBox 19" id="19"/>
-          <p:cNvSpPr txBox="true"/>
+        <p:txBody>
+          <a:bodyPr/>
+          <a:lstStyle/>
+          <a:p>
+            <a:endParaRPr lang="en-SI"/>
+          </a:p>
+        </p:txBody>
+      </p:sp>
+      <p:sp>
+        <p:nvSpPr>
+          <p:cNvPr id="19" name="TextBox 19"/>
+          <p:cNvSpPr txBox="1"/>
           <p:nvPr/>
         </p:nvSpPr>
         <p:spPr>
-          <a:xfrm rot="0">
+          <a:xfrm>
             <a:off x="1028700" y="1881964"/>
             <a:ext cx="4842085" cy="912915"/>
           </a:xfrm>
@@ -4220,7 +4316,7 @@
           </a:prstGeom>
         </p:spPr>
         <p:txBody>
-          <a:bodyPr anchor="t" rtlCol="false" tIns="0" lIns="0" bIns="0" rIns="0">
+          <a:bodyPr lIns="0" tIns="0" rIns="0" bIns="0" rtlCol="0" anchor="t">
             <a:spAutoFit/>
           </a:bodyPr>
           <a:lstStyle/>
@@ -4244,12 +4340,12 @@
       </p:sp>
       <p:sp>
         <p:nvSpPr>
-          <p:cNvPr name="TextBox 20" id="20"/>
-          <p:cNvSpPr txBox="true"/>
+          <p:cNvPr id="20" name="TextBox 20"/>
+          <p:cNvSpPr txBox="1"/>
           <p:nvPr/>
         </p:nvSpPr>
         <p:spPr>
-          <a:xfrm rot="0">
+          <a:xfrm>
             <a:off x="1028700" y="914400"/>
             <a:ext cx="4842085" cy="897853"/>
           </a:xfrm>
@@ -4258,7 +4354,7 @@
           </a:prstGeom>
         </p:spPr>
         <p:txBody>
-          <a:bodyPr anchor="t" rtlCol="false" tIns="0" lIns="0" bIns="0" rIns="0">
+          <a:bodyPr lIns="0" tIns="0" rIns="0" bIns="0" rtlCol="0" anchor="t">
             <a:spAutoFit/>
           </a:bodyPr>
           <a:lstStyle/>
@@ -4282,12 +4378,12 @@
       </p:sp>
       <p:sp>
         <p:nvSpPr>
-          <p:cNvPr name="TextBox 21" id="21"/>
-          <p:cNvSpPr txBox="true"/>
+          <p:cNvPr id="21" name="TextBox 21"/>
+          <p:cNvSpPr txBox="1"/>
           <p:nvPr/>
         </p:nvSpPr>
         <p:spPr>
-          <a:xfrm rot="0">
+          <a:xfrm>
             <a:off x="632456" y="5617326"/>
             <a:ext cx="5634574" cy="1085191"/>
           </a:xfrm>
@@ -4296,12 +4392,12 @@
           </a:prstGeom>
         </p:spPr>
         <p:txBody>
-          <a:bodyPr anchor="t" rtlCol="false" tIns="0" lIns="0" bIns="0" rIns="0">
+          <a:bodyPr lIns="0" tIns="0" rIns="0" bIns="0" rtlCol="0" anchor="t">
             <a:spAutoFit/>
           </a:bodyPr>
           <a:lstStyle/>
           <a:p>
-            <a:pPr algn="l" marL="653303" indent="-326651" lvl="1">
+            <a:pPr marL="653303" lvl="1" indent="-326651" algn="l">
               <a:lnSpc>
                 <a:spcPts val="4236"/>
               </a:lnSpc>
@@ -4322,12 +4418,12 @@
       </p:sp>
       <p:sp>
         <p:nvSpPr>
-          <p:cNvPr name="TextBox 22" id="22"/>
-          <p:cNvSpPr txBox="true"/>
+          <p:cNvPr id="22" name="TextBox 22"/>
+          <p:cNvSpPr txBox="1"/>
           <p:nvPr/>
         </p:nvSpPr>
         <p:spPr>
-          <a:xfrm rot="0">
+          <a:xfrm>
             <a:off x="726013" y="7138865"/>
             <a:ext cx="5634574" cy="1085191"/>
           </a:xfrm>
@@ -4336,12 +4432,12 @@
           </a:prstGeom>
         </p:spPr>
         <p:txBody>
-          <a:bodyPr anchor="t" rtlCol="false" tIns="0" lIns="0" bIns="0" rIns="0">
+          <a:bodyPr lIns="0" tIns="0" rIns="0" bIns="0" rtlCol="0" anchor="t">
             <a:spAutoFit/>
           </a:bodyPr>
           <a:lstStyle/>
           <a:p>
-            <a:pPr algn="l" marL="653303" indent="-326651" lvl="1">
+            <a:pPr marL="653303" lvl="1" indent="-326651" algn="l">
               <a:lnSpc>
                 <a:spcPts val="4236"/>
               </a:lnSpc>
@@ -4362,12 +4458,12 @@
       </p:sp>
       <p:sp>
         <p:nvSpPr>
-          <p:cNvPr name="TextBox 23" id="23"/>
-          <p:cNvSpPr txBox="true"/>
+          <p:cNvPr id="23" name="TextBox 23"/>
+          <p:cNvSpPr txBox="1"/>
           <p:nvPr/>
         </p:nvSpPr>
         <p:spPr>
-          <a:xfrm rot="0">
+          <a:xfrm>
             <a:off x="726013" y="3560585"/>
             <a:ext cx="5634574" cy="1618591"/>
           </a:xfrm>
@@ -4376,12 +4472,12 @@
           </a:prstGeom>
         </p:spPr>
         <p:txBody>
-          <a:bodyPr anchor="t" rtlCol="false" tIns="0" lIns="0" bIns="0" rIns="0">
+          <a:bodyPr lIns="0" tIns="0" rIns="0" bIns="0" rtlCol="0" anchor="t">
             <a:spAutoFit/>
           </a:bodyPr>
           <a:lstStyle/>
           <a:p>
-            <a:pPr algn="l" marL="653303" indent="-326651" lvl="1">
+            <a:pPr marL="653303" lvl="1" indent="-326651" algn="l">
               <a:lnSpc>
                 <a:spcPts val="4236"/>
               </a:lnSpc>
@@ -4409,7 +4505,7 @@
 </file>
 
 <file path=ppt/slides/slide3.xml><?xml version="1.0" encoding="utf-8"?>
-<p:sld xmlns:p="http://schemas.openxmlformats.org/presentationml/2006/main" xmlns:a="http://schemas.openxmlformats.org/drawingml/2006/main" xmlns:r="http://schemas.openxmlformats.org/officeDocument/2006/relationships">
+<p:sld xmlns:a="http://schemas.openxmlformats.org/drawingml/2006/main" xmlns:r="http://schemas.openxmlformats.org/officeDocument/2006/relationships" xmlns:p="http://schemas.openxmlformats.org/presentationml/2006/main">
   <p:cSld>
     <p:spTree>
       <p:nvGrpSpPr>
@@ -4427,12 +4523,12 @@
       </p:grpSpPr>
       <p:sp>
         <p:nvSpPr>
-          <p:cNvPr name="Freeform 2" id="2"/>
+          <p:cNvPr id="2" name="Freeform 2"/>
           <p:cNvSpPr/>
           <p:nvPr/>
         </p:nvSpPr>
         <p:spPr>
-          <a:xfrm flipH="false" flipV="false" rot="0">
+          <a:xfrm>
             <a:off x="0" y="0"/>
             <a:ext cx="18288000" cy="10287000"/>
           </a:xfrm>
@@ -4441,9 +4537,9 @@
             <a:gdLst/>
             <a:ahLst/>
             <a:cxnLst/>
-            <a:rect r="r" b="b" t="t" l="l"/>
+            <a:rect l="l" t="t" r="r" b="b"/>
             <a:pathLst>
-              <a:path h="10287000" w="18288000">
+              <a:path w="18288000" h="10287000">
                 <a:moveTo>
                   <a:pt x="0" y="0"/>
                 </a:moveTo>
@@ -4466,19 +4562,26 @@
           <a:blipFill>
             <a:blip r:embed="rId2"/>
             <a:stretch>
-              <a:fillRect l="0" t="0" r="0" b="0"/>
+              <a:fillRect/>
             </a:stretch>
           </a:blipFill>
         </p:spPr>
-      </p:sp>
-      <p:sp>
-        <p:nvSpPr>
-          <p:cNvPr name="TextBox 3" id="3"/>
-          <p:cNvSpPr txBox="true"/>
+        <p:txBody>
+          <a:bodyPr/>
+          <a:lstStyle/>
+          <a:p>
+            <a:endParaRPr lang="en-SI"/>
+          </a:p>
+        </p:txBody>
+      </p:sp>
+      <p:sp>
+        <p:nvSpPr>
+          <p:cNvPr id="3" name="TextBox 3"/>
+          <p:cNvSpPr txBox="1"/>
           <p:nvPr/>
         </p:nvSpPr>
         <p:spPr>
-          <a:xfrm rot="0">
+          <a:xfrm>
             <a:off x="464780" y="1547904"/>
             <a:ext cx="3845319" cy="1855890"/>
           </a:xfrm>
@@ -4487,7 +4590,7 @@
           </a:prstGeom>
         </p:spPr>
         <p:txBody>
-          <a:bodyPr anchor="t" rtlCol="false" tIns="0" lIns="0" bIns="0" rIns="0">
+          <a:bodyPr lIns="0" tIns="0" rIns="0" bIns="0" rtlCol="0" anchor="t">
             <a:spAutoFit/>
           </a:bodyPr>
           <a:lstStyle/>
@@ -4527,12 +4630,12 @@
       </p:sp>
       <p:sp>
         <p:nvSpPr>
-          <p:cNvPr name="TextBox 4" id="4"/>
-          <p:cNvSpPr txBox="true"/>
+          <p:cNvPr id="4" name="TextBox 4"/>
+          <p:cNvSpPr txBox="1"/>
           <p:nvPr/>
         </p:nvSpPr>
         <p:spPr>
-          <a:xfrm rot="0">
+          <a:xfrm>
             <a:off x="464780" y="522624"/>
             <a:ext cx="4842085" cy="897853"/>
           </a:xfrm>
@@ -4541,7 +4644,7 @@
           </a:prstGeom>
         </p:spPr>
         <p:txBody>
-          <a:bodyPr anchor="t" rtlCol="false" tIns="0" lIns="0" bIns="0" rIns="0">
+          <a:bodyPr lIns="0" tIns="0" rIns="0" bIns="0" rtlCol="0" anchor="t">
             <a:spAutoFit/>
           </a:bodyPr>
           <a:lstStyle/>
@@ -4565,12 +4668,12 @@
       </p:sp>
       <p:sp>
         <p:nvSpPr>
-          <p:cNvPr name="Freeform 5" id="5"/>
+          <p:cNvPr id="5" name="Freeform 5"/>
           <p:cNvSpPr/>
           <p:nvPr/>
         </p:nvSpPr>
         <p:spPr>
-          <a:xfrm flipH="false" flipV="false" rot="0">
+          <a:xfrm>
             <a:off x="6435319" y="0"/>
             <a:ext cx="11004159" cy="10287000"/>
           </a:xfrm>
@@ -4579,9 +4682,9 @@
             <a:gdLst/>
             <a:ahLst/>
             <a:cxnLst/>
-            <a:rect r="r" b="b" t="t" l="l"/>
+            <a:rect l="l" t="t" r="r" b="b"/>
             <a:pathLst>
-              <a:path h="10287000" w="11004159">
+              <a:path w="11004159" h="10287000">
                 <a:moveTo>
                   <a:pt x="0" y="0"/>
                 </a:moveTo>
@@ -4604,19 +4707,26 @@
           <a:blipFill>
             <a:blip r:embed="rId3"/>
             <a:stretch>
-              <a:fillRect l="0" t="0" r="-859" b="0"/>
+              <a:fillRect r="-859"/>
             </a:stretch>
           </a:blipFill>
         </p:spPr>
+        <p:txBody>
+          <a:bodyPr/>
+          <a:lstStyle/>
+          <a:p>
+            <a:endParaRPr lang="en-SI"/>
+          </a:p>
+        </p:txBody>
       </p:sp>
       <p:grpSp>
         <p:nvGrpSpPr>
-          <p:cNvPr name="Group 6" id="6"/>
+          <p:cNvPr id="6" name="Group 6"/>
           <p:cNvGrpSpPr/>
           <p:nvPr/>
         </p:nvGrpSpPr>
         <p:grpSpPr>
-          <a:xfrm rot="0">
+          <a:xfrm>
             <a:off x="1028700" y="8997950"/>
             <a:ext cx="2514600" cy="260350"/>
             <a:chOff x="0" y="0"/>
@@ -4625,12 +4735,12 @@
         </p:grpSpPr>
         <p:sp>
           <p:nvSpPr>
-            <p:cNvPr name="Freeform 7" id="7"/>
+            <p:cNvPr id="7" name="Freeform 7"/>
             <p:cNvSpPr/>
             <p:nvPr/>
           </p:nvSpPr>
           <p:spPr>
-            <a:xfrm flipH="false" flipV="false" rot="0">
+            <a:xfrm>
               <a:off x="0" y="0"/>
               <a:ext cx="662281" cy="68570"/>
             </a:xfrm>
@@ -4639,9 +4749,9 @@
               <a:gdLst/>
               <a:ahLst/>
               <a:cxnLst/>
-              <a:rect r="r" b="b" t="t" l="l"/>
+              <a:rect l="l" t="t" r="r" b="b"/>
               <a:pathLst>
-                <a:path h="68570" w="662281">
+                <a:path w="662281" h="68570">
                   <a:moveTo>
                     <a:pt x="0" y="0"/>
                   </a:moveTo>
@@ -4662,11 +4772,18 @@
               <a:srgbClr val="004AAD"/>
             </a:solidFill>
           </p:spPr>
+          <p:txBody>
+            <a:bodyPr/>
+            <a:lstStyle/>
+            <a:p>
+              <a:endParaRPr lang="en-SI"/>
+            </a:p>
+          </p:txBody>
         </p:sp>
         <p:sp>
           <p:nvSpPr>
-            <p:cNvPr name="TextBox 8" id="8"/>
-            <p:cNvSpPr txBox="true"/>
+            <p:cNvPr id="8" name="TextBox 8"/>
+            <p:cNvSpPr txBox="1"/>
             <p:nvPr/>
           </p:nvSpPr>
           <p:spPr>
@@ -4679,7 +4796,7 @@
             </a:prstGeom>
           </p:spPr>
           <p:txBody>
-            <a:bodyPr anchor="ctr" rtlCol="false" tIns="50800" lIns="50800" bIns="50800" rIns="50800"/>
+            <a:bodyPr lIns="50800" tIns="50800" rIns="50800" bIns="50800" rtlCol="0" anchor="ctr"/>
             <a:lstStyle/>
             <a:p>
               <a:pPr algn="ctr">
@@ -4687,6 +4804,7 @@
                   <a:spcPts val="2659"/>
                 </a:lnSpc>
               </a:pPr>
+              <a:endParaRPr/>
             </a:p>
           </p:txBody>
         </p:sp>
@@ -4700,7 +4818,7 @@
 </file>
 
 <file path=ppt/slides/slide4.xml><?xml version="1.0" encoding="utf-8"?>
-<p:sld xmlns:p="http://schemas.openxmlformats.org/presentationml/2006/main" xmlns:a="http://schemas.openxmlformats.org/drawingml/2006/main" xmlns:r="http://schemas.openxmlformats.org/officeDocument/2006/relationships">
+<p:sld xmlns:a="http://schemas.openxmlformats.org/drawingml/2006/main" xmlns:r="http://schemas.openxmlformats.org/officeDocument/2006/relationships" xmlns:p="http://schemas.openxmlformats.org/presentationml/2006/main">
   <p:cSld>
     <p:spTree>
       <p:nvGrpSpPr>
@@ -4718,12 +4836,12 @@
       </p:grpSpPr>
       <p:grpSp>
         <p:nvGrpSpPr>
-          <p:cNvPr name="Group 2" id="2"/>
+          <p:cNvPr id="2" name="Group 2"/>
           <p:cNvGrpSpPr/>
           <p:nvPr/>
         </p:nvGrpSpPr>
         <p:grpSpPr>
-          <a:xfrm rot="0">
+          <a:xfrm>
             <a:off x="0" y="0"/>
             <a:ext cx="6792707" cy="10287000"/>
             <a:chOff x="0" y="0"/>
@@ -4732,12 +4850,12 @@
         </p:grpSpPr>
         <p:sp>
           <p:nvSpPr>
-            <p:cNvPr name="Freeform 3" id="3"/>
+            <p:cNvPr id="3" name="Freeform 3"/>
             <p:cNvSpPr/>
             <p:nvPr/>
           </p:nvSpPr>
           <p:spPr>
-            <a:xfrm flipH="false" flipV="false" rot="0">
+            <a:xfrm>
               <a:off x="0" y="0"/>
               <a:ext cx="1789026" cy="2709333"/>
             </a:xfrm>
@@ -4746,9 +4864,9 @@
               <a:gdLst/>
               <a:ahLst/>
               <a:cxnLst/>
-              <a:rect r="r" b="b" t="t" l="l"/>
+              <a:rect l="l" t="t" r="r" b="b"/>
               <a:pathLst>
-                <a:path h="2709333" w="1789026">
+                <a:path w="1789026" h="2709333">
                   <a:moveTo>
                     <a:pt x="0" y="0"/>
                   </a:moveTo>
@@ -4769,11 +4887,18 @@
               <a:srgbClr val="004AAD"/>
             </a:solidFill>
           </p:spPr>
+          <p:txBody>
+            <a:bodyPr/>
+            <a:lstStyle/>
+            <a:p>
+              <a:endParaRPr lang="en-SI"/>
+            </a:p>
+          </p:txBody>
         </p:sp>
         <p:sp>
           <p:nvSpPr>
-            <p:cNvPr name="TextBox 4" id="4"/>
-            <p:cNvSpPr txBox="true"/>
+            <p:cNvPr id="4" name="TextBox 4"/>
+            <p:cNvSpPr txBox="1"/>
             <p:nvPr/>
           </p:nvSpPr>
           <p:spPr>
@@ -4786,7 +4911,7 @@
             </a:prstGeom>
           </p:spPr>
           <p:txBody>
-            <a:bodyPr anchor="ctr" rtlCol="false" tIns="50800" lIns="50800" bIns="50800" rIns="50800"/>
+            <a:bodyPr lIns="50800" tIns="50800" rIns="50800" bIns="50800" rtlCol="0" anchor="ctr"/>
             <a:lstStyle/>
             <a:p>
               <a:pPr algn="ctr">
@@ -4794,18 +4919,19 @@
                   <a:spcPts val="2659"/>
                 </a:lnSpc>
               </a:pPr>
+              <a:endParaRPr/>
             </a:p>
           </p:txBody>
         </p:sp>
       </p:grpSp>
       <p:grpSp>
         <p:nvGrpSpPr>
-          <p:cNvPr name="Group 5" id="5"/>
+          <p:cNvPr id="5" name="Group 5"/>
           <p:cNvGrpSpPr/>
           <p:nvPr/>
         </p:nvGrpSpPr>
         <p:grpSpPr>
-          <a:xfrm rot="0">
+          <a:xfrm>
             <a:off x="5446818" y="8630505"/>
             <a:ext cx="897167" cy="2183545"/>
             <a:chOff x="0" y="0"/>
@@ -4814,12 +4940,12 @@
         </p:grpSpPr>
         <p:sp>
           <p:nvSpPr>
-            <p:cNvPr name="Freeform 6" id="6"/>
+            <p:cNvPr id="6" name="Freeform 6"/>
             <p:cNvSpPr/>
             <p:nvPr/>
           </p:nvSpPr>
           <p:spPr>
-            <a:xfrm flipH="false" flipV="false" rot="0">
+            <a:xfrm>
               <a:off x="0" y="0"/>
               <a:ext cx="236291" cy="575090"/>
             </a:xfrm>
@@ -4828,9 +4954,9 @@
               <a:gdLst/>
               <a:ahLst/>
               <a:cxnLst/>
-              <a:rect r="r" b="b" t="t" l="l"/>
+              <a:rect l="l" t="t" r="r" b="b"/>
               <a:pathLst>
-                <a:path h="575090" w="236291">
+                <a:path w="236291" h="575090">
                   <a:moveTo>
                     <a:pt x="118145" y="0"/>
                   </a:moveTo>
@@ -4889,11 +5015,18 @@
               <a:srgbClr val="FFFFFF"/>
             </a:solidFill>
           </p:spPr>
+          <p:txBody>
+            <a:bodyPr/>
+            <a:lstStyle/>
+            <a:p>
+              <a:endParaRPr lang="en-SI"/>
+            </a:p>
+          </p:txBody>
         </p:sp>
         <p:sp>
           <p:nvSpPr>
-            <p:cNvPr name="TextBox 7" id="7"/>
-            <p:cNvSpPr txBox="true"/>
+            <p:cNvPr id="7" name="TextBox 7"/>
+            <p:cNvSpPr txBox="1"/>
             <p:nvPr/>
           </p:nvSpPr>
           <p:spPr>
@@ -4906,7 +5039,7 @@
             </a:prstGeom>
           </p:spPr>
           <p:txBody>
-            <a:bodyPr anchor="ctr" rtlCol="false" tIns="50800" lIns="50800" bIns="50800" rIns="50800"/>
+            <a:bodyPr lIns="50800" tIns="50800" rIns="50800" bIns="50800" rtlCol="0" anchor="ctr"/>
             <a:lstStyle/>
             <a:p>
               <a:pPr algn="ctr">
@@ -4914,18 +5047,19 @@
                   <a:spcPts val="2659"/>
                 </a:lnSpc>
               </a:pPr>
+              <a:endParaRPr/>
             </a:p>
           </p:txBody>
         </p:sp>
       </p:grpSp>
       <p:sp>
         <p:nvSpPr>
-          <p:cNvPr name="Freeform 8" id="8"/>
+          <p:cNvPr id="8" name="Freeform 8"/>
           <p:cNvSpPr/>
           <p:nvPr/>
         </p:nvSpPr>
         <p:spPr>
-          <a:xfrm flipH="false" flipV="false" rot="0">
+          <a:xfrm>
             <a:off x="10288785" y="2882275"/>
             <a:ext cx="4684055" cy="3465659"/>
           </a:xfrm>
@@ -4934,9 +5068,9 @@
             <a:gdLst/>
             <a:ahLst/>
             <a:cxnLst/>
-            <a:rect r="r" b="b" t="t" l="l"/>
+            <a:rect l="l" t="t" r="r" b="b"/>
             <a:pathLst>
-              <a:path h="3465659" w="4684055">
+              <a:path w="4684055" h="3465659">
                 <a:moveTo>
                   <a:pt x="0" y="0"/>
                 </a:moveTo>
@@ -4959,19 +5093,26 @@
           <a:blipFill>
             <a:blip r:embed="rId2"/>
             <a:stretch>
-              <a:fillRect l="0" t="0" r="0" b="0"/>
+              <a:fillRect/>
             </a:stretch>
           </a:blipFill>
         </p:spPr>
-      </p:sp>
-      <p:sp>
-        <p:nvSpPr>
-          <p:cNvPr name="Freeform 9" id="9"/>
+        <p:txBody>
+          <a:bodyPr/>
+          <a:lstStyle/>
+          <a:p>
+            <a:endParaRPr lang="en-SI"/>
+          </a:p>
+        </p:txBody>
+      </p:sp>
+      <p:sp>
+        <p:nvSpPr>
+          <p:cNvPr id="9" name="Freeform 9"/>
           <p:cNvSpPr/>
           <p:nvPr/>
         </p:nvSpPr>
         <p:spPr>
-          <a:xfrm flipH="false" flipV="false" rot="0">
+          <a:xfrm>
             <a:off x="11795241" y="7519402"/>
             <a:ext cx="6071008" cy="1814412"/>
           </a:xfrm>
@@ -4980,9 +5121,9 @@
             <a:gdLst/>
             <a:ahLst/>
             <a:cxnLst/>
-            <a:rect r="r" b="b" t="t" l="l"/>
+            <a:rect l="l" t="t" r="r" b="b"/>
             <a:pathLst>
-              <a:path h="1814412" w="6071008">
+              <a:path w="6071008" h="1814412">
                 <a:moveTo>
                   <a:pt x="0" y="0"/>
                 </a:moveTo>
@@ -5005,19 +5146,26 @@
           <a:blipFill>
             <a:blip r:embed="rId3"/>
             <a:stretch>
-              <a:fillRect l="0" t="0" r="0" b="0"/>
+              <a:fillRect/>
             </a:stretch>
           </a:blipFill>
         </p:spPr>
-      </p:sp>
-      <p:sp>
-        <p:nvSpPr>
-          <p:cNvPr name="Freeform 10" id="10"/>
+        <p:txBody>
+          <a:bodyPr/>
+          <a:lstStyle/>
+          <a:p>
+            <a:endParaRPr lang="en-SI"/>
+          </a:p>
+        </p:txBody>
+      </p:sp>
+      <p:sp>
+        <p:nvSpPr>
+          <p:cNvPr id="10" name="Freeform 10"/>
           <p:cNvSpPr/>
           <p:nvPr/>
         </p:nvSpPr>
         <p:spPr>
-          <a:xfrm flipH="false" flipV="false" rot="0">
+          <a:xfrm>
             <a:off x="7408383" y="166844"/>
             <a:ext cx="3919742" cy="2942250"/>
           </a:xfrm>
@@ -5026,9 +5174,9 @@
             <a:gdLst/>
             <a:ahLst/>
             <a:cxnLst/>
-            <a:rect r="r" b="b" t="t" l="l"/>
+            <a:rect l="l" t="t" r="r" b="b"/>
             <a:pathLst>
-              <a:path h="2942250" w="3919742">
+              <a:path w="3919742" h="2942250">
                 <a:moveTo>
                   <a:pt x="0" y="0"/>
                 </a:moveTo>
@@ -5051,19 +5199,26 @@
           <a:blipFill>
             <a:blip r:embed="rId4"/>
             <a:stretch>
-              <a:fillRect l="0" t="0" r="0" b="0"/>
+              <a:fillRect/>
             </a:stretch>
           </a:blipFill>
         </p:spPr>
-      </p:sp>
-      <p:sp>
-        <p:nvSpPr>
-          <p:cNvPr name="Freeform 11" id="11"/>
+        <p:txBody>
+          <a:bodyPr/>
+          <a:lstStyle/>
+          <a:p>
+            <a:endParaRPr lang="en-SI"/>
+          </a:p>
+        </p:txBody>
+      </p:sp>
+      <p:sp>
+        <p:nvSpPr>
+          <p:cNvPr id="11" name="Freeform 11"/>
           <p:cNvSpPr/>
           <p:nvPr/>
         </p:nvSpPr>
         <p:spPr>
-          <a:xfrm flipH="false" flipV="false" rot="0">
+          <a:xfrm>
             <a:off x="13924564" y="166844"/>
             <a:ext cx="3334736" cy="3306234"/>
           </a:xfrm>
@@ -5072,9 +5227,9 @@
             <a:gdLst/>
             <a:ahLst/>
             <a:cxnLst/>
-            <a:rect r="r" b="b" t="t" l="l"/>
+            <a:rect l="l" t="t" r="r" b="b"/>
             <a:pathLst>
-              <a:path h="3306234" w="3334736">
+              <a:path w="3334736" h="3306234">
                 <a:moveTo>
                   <a:pt x="0" y="0"/>
                 </a:moveTo>
@@ -5097,19 +5252,26 @@
           <a:blipFill>
             <a:blip r:embed="rId5"/>
             <a:stretch>
-              <a:fillRect l="0" t="0" r="0" b="0"/>
+              <a:fillRect/>
             </a:stretch>
           </a:blipFill>
         </p:spPr>
-      </p:sp>
-      <p:sp>
-        <p:nvSpPr>
-          <p:cNvPr name="Freeform 12" id="12"/>
+        <p:txBody>
+          <a:bodyPr/>
+          <a:lstStyle/>
+          <a:p>
+            <a:endParaRPr lang="en-SI"/>
+          </a:p>
+        </p:txBody>
+      </p:sp>
+      <p:sp>
+        <p:nvSpPr>
+          <p:cNvPr id="12" name="Freeform 12"/>
           <p:cNvSpPr/>
           <p:nvPr/>
         </p:nvSpPr>
         <p:spPr>
-          <a:xfrm flipH="false" flipV="false" rot="0">
+          <a:xfrm>
             <a:off x="15894980" y="3932481"/>
             <a:ext cx="1816486" cy="1805342"/>
           </a:xfrm>
@@ -5118,9 +5280,9 @@
             <a:gdLst/>
             <a:ahLst/>
             <a:cxnLst/>
-            <a:rect r="r" b="b" t="t" l="l"/>
+            <a:rect l="l" t="t" r="r" b="b"/>
             <a:pathLst>
-              <a:path h="1805342" w="1816486">
+              <a:path w="1816486" h="1805342">
                 <a:moveTo>
                   <a:pt x="0" y="0"/>
                 </a:moveTo>
@@ -5143,65 +5305,26 @@
           <a:blipFill>
             <a:blip r:embed="rId6"/>
             <a:stretch>
-              <a:fillRect l="0" t="0" r="0" b="0"/>
+              <a:fillRect/>
             </a:stretch>
           </a:blipFill>
         </p:spPr>
-      </p:sp>
-      <p:sp>
-        <p:nvSpPr>
-          <p:cNvPr name="Freeform 13" id="13"/>
+        <p:txBody>
+          <a:bodyPr/>
+          <a:lstStyle/>
+          <a:p>
+            <a:endParaRPr lang="en-SI"/>
+          </a:p>
+        </p:txBody>
+      </p:sp>
+      <p:sp>
+        <p:nvSpPr>
+          <p:cNvPr id="14" name="Freeform 14"/>
           <p:cNvSpPr/>
           <p:nvPr/>
         </p:nvSpPr>
         <p:spPr>
-          <a:xfrm flipH="false" flipV="false" rot="0">
-            <a:off x="7827362" y="5143500"/>
-            <a:ext cx="1539283" cy="1371088"/>
-          </a:xfrm>
-          <a:custGeom>
-            <a:avLst/>
-            <a:gdLst/>
-            <a:ahLst/>
-            <a:cxnLst/>
-            <a:rect r="r" b="b" t="t" l="l"/>
-            <a:pathLst>
-              <a:path h="1371088" w="1539283">
-                <a:moveTo>
-                  <a:pt x="0" y="0"/>
-                </a:moveTo>
-                <a:lnTo>
-                  <a:pt x="1539283" y="0"/>
-                </a:lnTo>
-                <a:lnTo>
-                  <a:pt x="1539283" y="1371088"/>
-                </a:lnTo>
-                <a:lnTo>
-                  <a:pt x="0" y="1371088"/>
-                </a:lnTo>
-                <a:lnTo>
-                  <a:pt x="0" y="0"/>
-                </a:lnTo>
-                <a:close/>
-              </a:path>
-            </a:pathLst>
-          </a:custGeom>
-          <a:blipFill>
-            <a:blip r:embed="rId7"/>
-            <a:stretch>
-              <a:fillRect l="0" t="0" r="0" b="0"/>
-            </a:stretch>
-          </a:blipFill>
-        </p:spPr>
-      </p:sp>
-      <p:sp>
-        <p:nvSpPr>
-          <p:cNvPr name="Freeform 14" id="14"/>
-          <p:cNvSpPr/>
-          <p:nvPr/>
-        </p:nvSpPr>
-        <p:spPr>
-          <a:xfrm flipH="false" flipV="false" rot="0">
+          <a:xfrm>
             <a:off x="7408383" y="7519402"/>
             <a:ext cx="3595334" cy="1459492"/>
           </a:xfrm>
@@ -5210,9 +5333,9 @@
             <a:gdLst/>
             <a:ahLst/>
             <a:cxnLst/>
-            <a:rect r="r" b="b" t="t" l="l"/>
+            <a:rect l="l" t="t" r="r" b="b"/>
             <a:pathLst>
-              <a:path h="1459492" w="3595334">
+              <a:path w="3595334" h="1459492">
                 <a:moveTo>
                   <a:pt x="0" y="0"/>
                 </a:moveTo>
@@ -5233,21 +5356,28 @@
             </a:pathLst>
           </a:custGeom>
           <a:blipFill>
-            <a:blip r:embed="rId8"/>
+            <a:blip r:embed="rId7"/>
             <a:stretch>
               <a:fillRect l="-31888" t="-54931" r="-29932" b="-35850"/>
             </a:stretch>
           </a:blipFill>
         </p:spPr>
-      </p:sp>
-      <p:sp>
-        <p:nvSpPr>
-          <p:cNvPr name="TextBox 15" id="15"/>
-          <p:cNvSpPr txBox="true"/>
+        <p:txBody>
+          <a:bodyPr/>
+          <a:lstStyle/>
+          <a:p>
+            <a:endParaRPr lang="en-SI"/>
+          </a:p>
+        </p:txBody>
+      </p:sp>
+      <p:sp>
+        <p:nvSpPr>
+          <p:cNvPr id="15" name="TextBox 15"/>
+          <p:cNvSpPr txBox="1"/>
           <p:nvPr/>
         </p:nvSpPr>
         <p:spPr>
-          <a:xfrm rot="0">
+          <a:xfrm>
             <a:off x="1053316" y="2044729"/>
             <a:ext cx="4842085" cy="1579842"/>
           </a:xfrm>
@@ -5256,7 +5386,7 @@
           </a:prstGeom>
         </p:spPr>
         <p:txBody>
-          <a:bodyPr anchor="t" rtlCol="false" tIns="0" lIns="0" bIns="0" rIns="0">
+          <a:bodyPr lIns="0" tIns="0" rIns="0" bIns="0" rtlCol="0" anchor="t">
             <a:spAutoFit/>
           </a:bodyPr>
           <a:lstStyle/>
@@ -5294,6 +5424,36 @@
           </a:p>
         </p:txBody>
       </p:sp>
+      <p:pic>
+        <p:nvPicPr>
+          <p:cNvPr id="16" name="Slika 15">
+            <a:extLst>
+              <a:ext uri="{FF2B5EF4-FFF2-40B4-BE49-F238E27FC236}">
+                <a16:creationId xmlns:a16="http://schemas.microsoft.com/office/drawing/2014/main" id="{BDEA9581-4EB8-0DEA-8FFD-E610A950BECB}"/>
+              </a:ext>
+            </a:extLst>
+          </p:cNvPr>
+          <p:cNvPicPr>
+            <a:picLocks noChangeAspect="1"/>
+          </p:cNvPicPr>
+          <p:nvPr/>
+        </p:nvPicPr>
+        <p:blipFill>
+          <a:blip r:embed="rId8"/>
+          <a:stretch>
+            <a:fillRect/>
+          </a:stretch>
+        </p:blipFill>
+        <p:spPr>
+          <a:xfrm>
+            <a:off x="7385283" y="3199474"/>
+            <a:ext cx="3235721" cy="2248826"/>
+          </a:xfrm>
+          <a:prstGeom prst="rect">
+            <a:avLst/>
+          </a:prstGeom>
+        </p:spPr>
+      </p:pic>
     </p:spTree>
   </p:cSld>
   <p:clrMapOvr>
@@ -5303,7 +5463,7 @@
 </file>
 
 <file path=ppt/slides/slide5.xml><?xml version="1.0" encoding="utf-8"?>
-<p:sld xmlns:p="http://schemas.openxmlformats.org/presentationml/2006/main" xmlns:a="http://schemas.openxmlformats.org/drawingml/2006/main">
+<p:sld xmlns:a="http://schemas.openxmlformats.org/drawingml/2006/main" xmlns:r="http://schemas.openxmlformats.org/officeDocument/2006/relationships" xmlns:p="http://schemas.openxmlformats.org/presentationml/2006/main">
   <p:cSld>
     <p:spTree>
       <p:nvGrpSpPr>
@@ -5321,12 +5481,12 @@
       </p:grpSpPr>
       <p:grpSp>
         <p:nvGrpSpPr>
-          <p:cNvPr name="Group 2" id="2"/>
+          <p:cNvPr id="2" name="Group 2"/>
           <p:cNvGrpSpPr/>
           <p:nvPr/>
         </p:nvGrpSpPr>
         <p:grpSpPr>
-          <a:xfrm rot="0">
+          <a:xfrm>
             <a:off x="-698500" y="3124200"/>
             <a:ext cx="5245100" cy="1332778"/>
             <a:chOff x="0" y="0"/>
@@ -5335,12 +5495,12 @@
         </p:grpSpPr>
         <p:sp>
           <p:nvSpPr>
-            <p:cNvPr name="Freeform 3" id="3"/>
+            <p:cNvPr id="3" name="Freeform 3"/>
             <p:cNvSpPr/>
             <p:nvPr/>
           </p:nvSpPr>
           <p:spPr>
-            <a:xfrm flipH="false" flipV="false" rot="0">
+            <a:xfrm>
               <a:off x="0" y="0"/>
               <a:ext cx="1381426" cy="351020"/>
             </a:xfrm>
@@ -5349,9 +5509,9 @@
               <a:gdLst/>
               <a:ahLst/>
               <a:cxnLst/>
-              <a:rect r="r" b="b" t="t" l="l"/>
+              <a:rect l="l" t="t" r="r" b="b"/>
               <a:pathLst>
-                <a:path h="351020" w="1381426">
+                <a:path w="1381426" h="351020">
                   <a:moveTo>
                     <a:pt x="75277" y="0"/>
                   </a:moveTo>
@@ -5415,11 +5575,18 @@
               <a:srgbClr val="004AAD"/>
             </a:solidFill>
           </p:spPr>
+          <p:txBody>
+            <a:bodyPr/>
+            <a:lstStyle/>
+            <a:p>
+              <a:endParaRPr lang="en-SI"/>
+            </a:p>
+          </p:txBody>
         </p:sp>
         <p:sp>
           <p:nvSpPr>
-            <p:cNvPr name="TextBox 4" id="4"/>
-            <p:cNvSpPr txBox="true"/>
+            <p:cNvPr id="4" name="TextBox 4"/>
+            <p:cNvSpPr txBox="1"/>
             <p:nvPr/>
           </p:nvSpPr>
           <p:spPr>
@@ -5432,7 +5599,7 @@
             </a:prstGeom>
           </p:spPr>
           <p:txBody>
-            <a:bodyPr anchor="ctr" rtlCol="false" tIns="50800" lIns="50800" bIns="50800" rIns="50800"/>
+            <a:bodyPr lIns="50800" tIns="50800" rIns="50800" bIns="50800" rtlCol="0" anchor="ctr"/>
             <a:lstStyle/>
             <a:p>
               <a:pPr algn="ctr">
@@ -5440,18 +5607,19 @@
                   <a:spcPts val="2659"/>
                 </a:lnSpc>
               </a:pPr>
+              <a:endParaRPr/>
             </a:p>
           </p:txBody>
         </p:sp>
       </p:grpSp>
       <p:grpSp>
         <p:nvGrpSpPr>
-          <p:cNvPr name="Group 5" id="5"/>
+          <p:cNvPr id="5" name="Group 5"/>
           <p:cNvGrpSpPr/>
           <p:nvPr/>
         </p:nvGrpSpPr>
         <p:grpSpPr>
-          <a:xfrm rot="0">
+          <a:xfrm>
             <a:off x="13741400" y="3124200"/>
             <a:ext cx="5118100" cy="1332778"/>
             <a:chOff x="0" y="0"/>
@@ -5460,12 +5628,12 @@
         </p:grpSpPr>
         <p:sp>
           <p:nvSpPr>
-            <p:cNvPr name="Freeform 6" id="6"/>
+            <p:cNvPr id="6" name="Freeform 6"/>
             <p:cNvSpPr/>
             <p:nvPr/>
           </p:nvSpPr>
           <p:spPr>
-            <a:xfrm flipH="false" flipV="false" rot="0">
+            <a:xfrm>
               <a:off x="0" y="0"/>
               <a:ext cx="1347977" cy="351020"/>
             </a:xfrm>
@@ -5474,9 +5642,9 @@
               <a:gdLst/>
               <a:ahLst/>
               <a:cxnLst/>
-              <a:rect r="r" b="b" t="t" l="l"/>
+              <a:rect l="l" t="t" r="r" b="b"/>
               <a:pathLst>
-                <a:path h="351020" w="1347977">
+                <a:path w="1347977" h="351020">
                   <a:moveTo>
                     <a:pt x="77145" y="0"/>
                   </a:moveTo>
@@ -5525,11 +5693,18 @@
               <a:srgbClr val="004AAD"/>
             </a:solidFill>
           </p:spPr>
+          <p:txBody>
+            <a:bodyPr/>
+            <a:lstStyle/>
+            <a:p>
+              <a:endParaRPr lang="en-SI"/>
+            </a:p>
+          </p:txBody>
         </p:sp>
         <p:sp>
           <p:nvSpPr>
-            <p:cNvPr name="TextBox 7" id="7"/>
-            <p:cNvSpPr txBox="true"/>
+            <p:cNvPr id="7" name="TextBox 7"/>
+            <p:cNvSpPr txBox="1"/>
             <p:nvPr/>
           </p:nvSpPr>
           <p:spPr>
@@ -5542,7 +5717,7 @@
             </a:prstGeom>
           </p:spPr>
           <p:txBody>
-            <a:bodyPr anchor="ctr" rtlCol="false" tIns="50800" lIns="50800" bIns="50800" rIns="50800"/>
+            <a:bodyPr lIns="50800" tIns="50800" rIns="50800" bIns="50800" rtlCol="0" anchor="ctr"/>
             <a:lstStyle/>
             <a:p>
               <a:pPr algn="ctr">
@@ -5550,18 +5725,19 @@
                   <a:spcPts val="2659"/>
                 </a:lnSpc>
               </a:pPr>
+              <a:endParaRPr/>
             </a:p>
           </p:txBody>
         </p:sp>
       </p:grpSp>
       <p:sp>
         <p:nvSpPr>
-          <p:cNvPr name="TextBox 8" id="8"/>
-          <p:cNvSpPr txBox="true"/>
+          <p:cNvPr id="8" name="TextBox 8"/>
+          <p:cNvSpPr txBox="1"/>
           <p:nvPr/>
         </p:nvSpPr>
         <p:spPr>
-          <a:xfrm rot="0">
+          <a:xfrm>
             <a:off x="7634933" y="3903365"/>
             <a:ext cx="3018134" cy="1002451"/>
           </a:xfrm>
@@ -5570,7 +5746,7 @@
           </a:prstGeom>
         </p:spPr>
         <p:txBody>
-          <a:bodyPr anchor="t" rtlCol="false" tIns="0" lIns="0" bIns="0" rIns="0">
+          <a:bodyPr lIns="0" tIns="0" rIns="0" bIns="0" rtlCol="0" anchor="t">
             <a:spAutoFit/>
           </a:bodyPr>
           <a:lstStyle/>
@@ -5594,12 +5770,12 @@
       </p:sp>
       <p:sp>
         <p:nvSpPr>
-          <p:cNvPr name="TextBox 9" id="9"/>
-          <p:cNvSpPr txBox="true"/>
+          <p:cNvPr id="9" name="TextBox 9"/>
+          <p:cNvSpPr txBox="1"/>
           <p:nvPr/>
         </p:nvSpPr>
         <p:spPr>
-          <a:xfrm rot="0">
+          <a:xfrm>
             <a:off x="5860492" y="3028950"/>
             <a:ext cx="6567016" cy="812763"/>
           </a:xfrm>
@@ -5608,7 +5784,7 @@
           </a:prstGeom>
         </p:spPr>
         <p:txBody>
-          <a:bodyPr anchor="t" rtlCol="false" tIns="0" lIns="0" bIns="0" rIns="0">
+          <a:bodyPr lIns="0" tIns="0" rIns="0" bIns="0" rtlCol="0" anchor="t">
             <a:spAutoFit/>
           </a:bodyPr>
           <a:lstStyle/>
